--- a/SE.pptx
+++ b/SE.pptx
@@ -10,6 +10,7 @@
     <p:sldId id="258" r:id="rId4"/>
     <p:sldId id="259" r:id="rId5"/>
     <p:sldId id="260" r:id="rId6"/>
+    <p:sldId id="261" r:id="rId7"/>
   </p:sldIdLst>
   <p:sldSz cx="12192000" cy="6858000"/>
   <p:notesSz cx="6858000" cy="9144000"/>
@@ -108,6 +109,11 @@
       </a:defRPr>
     </a:lvl9pPr>
   </p:defaultTextStyle>
+  <p:extLst>
+    <p:ext uri="{EFAFB233-063F-42B5-8137-9DF3F51BA10A}">
+      <p15:sldGuideLst xmlns:p15="http://schemas.microsoft.com/office/powerpoint/2012/main"/>
+    </p:ext>
+  </p:extLst>
 </p:presentation>
 </file>
 
@@ -3454,6 +3460,100 @@
 </p:sld>
 </file>
 
+<file path=ppt/slides/slide6.xml><?xml version="1.0" encoding="utf-8"?>
+<p:sld xmlns:a="http://schemas.openxmlformats.org/drawingml/2006/main" xmlns:r="http://schemas.openxmlformats.org/officeDocument/2006/relationships" xmlns:p="http://schemas.openxmlformats.org/presentationml/2006/main">
+  <p:cSld>
+    <p:spTree>
+      <p:nvGrpSpPr>
+        <p:cNvPr id="1" name=""/>
+        <p:cNvGrpSpPr/>
+        <p:nvPr/>
+      </p:nvGrpSpPr>
+      <p:grpSpPr>
+        <a:xfrm>
+          <a:off x="0" y="0"/>
+          <a:ext cx="0" cy="0"/>
+          <a:chOff x="0" y="0"/>
+          <a:chExt cx="0" cy="0"/>
+        </a:xfrm>
+      </p:grpSpPr>
+      <p:sp>
+        <p:nvSpPr>
+          <p:cNvPr id="2" name="Title 1"/>
+          <p:cNvSpPr>
+            <a:spLocks noGrp="1"/>
+          </p:cNvSpPr>
+          <p:nvPr>
+            <p:ph type="title"/>
+          </p:nvPr>
+        </p:nvSpPr>
+        <p:spPr>
+          <a:xfrm>
+            <a:off x="756314" y="370813"/>
+            <a:ext cx="10515600" cy="1325563"/>
+          </a:xfrm>
+        </p:spPr>
+        <p:txBody>
+          <a:bodyPr/>
+          <a:lstStyle/>
+          <a:p>
+            <a:r>
+              <a:rPr lang="en-US" smtClean="0"/>
+              <a:t>Software Engineer Skillset</a:t>
+            </a:r>
+            <a:endParaRPr lang="vi-VN"/>
+          </a:p>
+        </p:txBody>
+      </p:sp>
+      <p:pic>
+        <p:nvPicPr>
+          <p:cNvPr id="10" name="Content Placeholder 9"/>
+          <p:cNvPicPr>
+            <a:picLocks noGrp="1" noChangeAspect="1"/>
+          </p:cNvPicPr>
+          <p:nvPr>
+            <p:ph idx="1"/>
+          </p:nvPr>
+        </p:nvPicPr>
+        <p:blipFill>
+          <a:blip r:embed="rId2">
+            <a:extLst>
+              <a:ext uri="{28A0092B-C50C-407E-A947-70E740481C1C}">
+                <a14:useLocalDpi xmlns:a14="http://schemas.microsoft.com/office/drawing/2010/main" val="0"/>
+              </a:ext>
+            </a:extLst>
+          </a:blip>
+          <a:stretch>
+            <a:fillRect/>
+          </a:stretch>
+        </p:blipFill>
+        <p:spPr>
+          <a:xfrm>
+            <a:off x="61416" y="1573547"/>
+            <a:ext cx="11905396" cy="5161624"/>
+          </a:xfrm>
+        </p:spPr>
+      </p:pic>
+    </p:spTree>
+    <p:extLst>
+      <p:ext uri="{BB962C8B-B14F-4D97-AF65-F5344CB8AC3E}">
+        <p14:creationId xmlns:p14="http://schemas.microsoft.com/office/powerpoint/2010/main" val="3927854312"/>
+      </p:ext>
+    </p:extLst>
+  </p:cSld>
+  <p:clrMapOvr>
+    <a:masterClrMapping/>
+  </p:clrMapOvr>
+  <p:timing>
+    <p:tnLst>
+      <p:par>
+        <p:cTn id="1" dur="indefinite" restart="never" nodeType="tmRoot"/>
+      </p:par>
+    </p:tnLst>
+  </p:timing>
+</p:sld>
+</file>
+
 <file path=ppt/theme/theme1.xml><?xml version="1.0" encoding="utf-8"?>
 <a:theme xmlns:a="http://schemas.openxmlformats.org/drawingml/2006/main" name="Office Theme">
   <a:themeElements>

--- a/SE.pptx
+++ b/SE.pptx
@@ -7,10 +7,16 @@
   <p:sldIdLst>
     <p:sldId id="256" r:id="rId2"/>
     <p:sldId id="257" r:id="rId3"/>
-    <p:sldId id="258" r:id="rId4"/>
-    <p:sldId id="259" r:id="rId5"/>
-    <p:sldId id="260" r:id="rId6"/>
-    <p:sldId id="261" r:id="rId7"/>
+    <p:sldId id="262" r:id="rId4"/>
+    <p:sldId id="258" r:id="rId5"/>
+    <p:sldId id="264" r:id="rId6"/>
+    <p:sldId id="259" r:id="rId7"/>
+    <p:sldId id="260" r:id="rId8"/>
+    <p:sldId id="261" r:id="rId9"/>
+    <p:sldId id="263" r:id="rId10"/>
+    <p:sldId id="265" r:id="rId11"/>
+    <p:sldId id="266" r:id="rId12"/>
+    <p:sldId id="267" r:id="rId13"/>
   </p:sldIdLst>
   <p:sldSz cx="12192000" cy="6858000"/>
   <p:notesSz cx="6858000" cy="9144000"/>
@@ -159,7 +165,7 @@
           </a:lstStyle>
           <a:p>
             <a:r>
-              <a:rPr lang="en-US" smtClean="0"/>
+              <a:rPr lang="en-US"/>
               <a:t>Click to edit Master title style</a:t>
             </a:r>
             <a:endParaRPr lang="vi-VN"/>
@@ -224,7 +230,7 @@
           </a:lstStyle>
           <a:p>
             <a:r>
-              <a:rPr lang="en-US" smtClean="0"/>
+              <a:rPr lang="en-US"/>
               <a:t>Click to edit Master subtitle style</a:t>
             </a:r>
             <a:endParaRPr lang="vi-VN"/>
@@ -248,7 +254,7 @@
           <a:p>
             <a:fld id="{2391DE1D-4BE7-444D-B71B-21C361EB7A3C}" type="datetimeFigureOut">
               <a:rPr lang="vi-VN" smtClean="0"/>
-              <a:t>13/01/2018</a:t>
+              <a:t>28/01/2018</a:t>
             </a:fld>
             <a:endParaRPr lang="vi-VN"/>
           </a:p>
@@ -342,7 +348,7 @@
           <a:lstStyle/>
           <a:p>
             <a:r>
-              <a:rPr lang="en-US" smtClean="0"/>
+              <a:rPr lang="en-US"/>
               <a:t>Click to edit Master title style</a:t>
             </a:r>
             <a:endParaRPr lang="vi-VN"/>
@@ -366,35 +372,35 @@
           <a:p>
             <a:pPr lvl="0"/>
             <a:r>
-              <a:rPr lang="en-US" smtClean="0"/>
+              <a:rPr lang="en-US"/>
               <a:t>Click to edit Master text styles</a:t>
             </a:r>
           </a:p>
           <a:p>
             <a:pPr lvl="1"/>
             <a:r>
-              <a:rPr lang="en-US" smtClean="0"/>
+              <a:rPr lang="en-US"/>
               <a:t>Second level</a:t>
             </a:r>
           </a:p>
           <a:p>
             <a:pPr lvl="2"/>
             <a:r>
-              <a:rPr lang="en-US" smtClean="0"/>
+              <a:rPr lang="en-US"/>
               <a:t>Third level</a:t>
             </a:r>
           </a:p>
           <a:p>
             <a:pPr lvl="3"/>
             <a:r>
-              <a:rPr lang="en-US" smtClean="0"/>
+              <a:rPr lang="en-US"/>
               <a:t>Fourth level</a:t>
             </a:r>
           </a:p>
           <a:p>
             <a:pPr lvl="4"/>
             <a:r>
-              <a:rPr lang="en-US" smtClean="0"/>
+              <a:rPr lang="en-US"/>
               <a:t>Fifth level</a:t>
             </a:r>
             <a:endParaRPr lang="vi-VN"/>
@@ -418,7 +424,7 @@
           <a:p>
             <a:fld id="{2391DE1D-4BE7-444D-B71B-21C361EB7A3C}" type="datetimeFigureOut">
               <a:rPr lang="vi-VN" smtClean="0"/>
-              <a:t>13/01/2018</a:t>
+              <a:t>28/01/2018</a:t>
             </a:fld>
             <a:endParaRPr lang="vi-VN"/>
           </a:p>
@@ -517,7 +523,7 @@
           <a:lstStyle/>
           <a:p>
             <a:r>
-              <a:rPr lang="en-US" smtClean="0"/>
+              <a:rPr lang="en-US"/>
               <a:t>Click to edit Master title style</a:t>
             </a:r>
             <a:endParaRPr lang="vi-VN"/>
@@ -546,35 +552,35 @@
           <a:p>
             <a:pPr lvl="0"/>
             <a:r>
-              <a:rPr lang="en-US" smtClean="0"/>
+              <a:rPr lang="en-US"/>
               <a:t>Click to edit Master text styles</a:t>
             </a:r>
           </a:p>
           <a:p>
             <a:pPr lvl="1"/>
             <a:r>
-              <a:rPr lang="en-US" smtClean="0"/>
+              <a:rPr lang="en-US"/>
               <a:t>Second level</a:t>
             </a:r>
           </a:p>
           <a:p>
             <a:pPr lvl="2"/>
             <a:r>
-              <a:rPr lang="en-US" smtClean="0"/>
+              <a:rPr lang="en-US"/>
               <a:t>Third level</a:t>
             </a:r>
           </a:p>
           <a:p>
             <a:pPr lvl="3"/>
             <a:r>
-              <a:rPr lang="en-US" smtClean="0"/>
+              <a:rPr lang="en-US"/>
               <a:t>Fourth level</a:t>
             </a:r>
           </a:p>
           <a:p>
             <a:pPr lvl="4"/>
             <a:r>
-              <a:rPr lang="en-US" smtClean="0"/>
+              <a:rPr lang="en-US"/>
               <a:t>Fifth level</a:t>
             </a:r>
             <a:endParaRPr lang="vi-VN"/>
@@ -598,7 +604,7 @@
           <a:p>
             <a:fld id="{2391DE1D-4BE7-444D-B71B-21C361EB7A3C}" type="datetimeFigureOut">
               <a:rPr lang="vi-VN" smtClean="0"/>
-              <a:t>13/01/2018</a:t>
+              <a:t>28/01/2018</a:t>
             </a:fld>
             <a:endParaRPr lang="vi-VN"/>
           </a:p>
@@ -692,7 +698,7 @@
           <a:lstStyle/>
           <a:p>
             <a:r>
-              <a:rPr lang="en-US" smtClean="0"/>
+              <a:rPr lang="en-US"/>
               <a:t>Click to edit Master title style</a:t>
             </a:r>
             <a:endParaRPr lang="vi-VN"/>
@@ -716,35 +722,35 @@
           <a:p>
             <a:pPr lvl="0"/>
             <a:r>
-              <a:rPr lang="en-US" smtClean="0"/>
+              <a:rPr lang="en-US"/>
               <a:t>Click to edit Master text styles</a:t>
             </a:r>
           </a:p>
           <a:p>
             <a:pPr lvl="1"/>
             <a:r>
-              <a:rPr lang="en-US" smtClean="0"/>
+              <a:rPr lang="en-US"/>
               <a:t>Second level</a:t>
             </a:r>
           </a:p>
           <a:p>
             <a:pPr lvl="2"/>
             <a:r>
-              <a:rPr lang="en-US" smtClean="0"/>
+              <a:rPr lang="en-US"/>
               <a:t>Third level</a:t>
             </a:r>
           </a:p>
           <a:p>
             <a:pPr lvl="3"/>
             <a:r>
-              <a:rPr lang="en-US" smtClean="0"/>
+              <a:rPr lang="en-US"/>
               <a:t>Fourth level</a:t>
             </a:r>
           </a:p>
           <a:p>
             <a:pPr lvl="4"/>
             <a:r>
-              <a:rPr lang="en-US" smtClean="0"/>
+              <a:rPr lang="en-US"/>
               <a:t>Fifth level</a:t>
             </a:r>
             <a:endParaRPr lang="vi-VN"/>
@@ -768,7 +774,7 @@
           <a:p>
             <a:fld id="{2391DE1D-4BE7-444D-B71B-21C361EB7A3C}" type="datetimeFigureOut">
               <a:rPr lang="vi-VN" smtClean="0"/>
-              <a:t>13/01/2018</a:t>
+              <a:t>28/01/2018</a:t>
             </a:fld>
             <a:endParaRPr lang="vi-VN"/>
           </a:p>
@@ -871,7 +877,7 @@
           </a:lstStyle>
           <a:p>
             <a:r>
-              <a:rPr lang="en-US" smtClean="0"/>
+              <a:rPr lang="en-US"/>
               <a:t>Click to edit Master title style</a:t>
             </a:r>
             <a:endParaRPr lang="vi-VN"/>
@@ -991,7 +997,7 @@
           <a:p>
             <a:pPr lvl="0"/>
             <a:r>
-              <a:rPr lang="en-US" smtClean="0"/>
+              <a:rPr lang="en-US"/>
               <a:t>Click to edit Master text styles</a:t>
             </a:r>
           </a:p>
@@ -1014,7 +1020,7 @@
           <a:p>
             <a:fld id="{2391DE1D-4BE7-444D-B71B-21C361EB7A3C}" type="datetimeFigureOut">
               <a:rPr lang="vi-VN" smtClean="0"/>
-              <a:t>13/01/2018</a:t>
+              <a:t>28/01/2018</a:t>
             </a:fld>
             <a:endParaRPr lang="vi-VN"/>
           </a:p>
@@ -1108,7 +1114,7 @@
           <a:lstStyle/>
           <a:p>
             <a:r>
-              <a:rPr lang="en-US" smtClean="0"/>
+              <a:rPr lang="en-US"/>
               <a:t>Click to edit Master title style</a:t>
             </a:r>
             <a:endParaRPr lang="vi-VN"/>
@@ -1137,35 +1143,35 @@
           <a:p>
             <a:pPr lvl="0"/>
             <a:r>
-              <a:rPr lang="en-US" smtClean="0"/>
+              <a:rPr lang="en-US"/>
               <a:t>Click to edit Master text styles</a:t>
             </a:r>
           </a:p>
           <a:p>
             <a:pPr lvl="1"/>
             <a:r>
-              <a:rPr lang="en-US" smtClean="0"/>
+              <a:rPr lang="en-US"/>
               <a:t>Second level</a:t>
             </a:r>
           </a:p>
           <a:p>
             <a:pPr lvl="2"/>
             <a:r>
-              <a:rPr lang="en-US" smtClean="0"/>
+              <a:rPr lang="en-US"/>
               <a:t>Third level</a:t>
             </a:r>
           </a:p>
           <a:p>
             <a:pPr lvl="3"/>
             <a:r>
-              <a:rPr lang="en-US" smtClean="0"/>
+              <a:rPr lang="en-US"/>
               <a:t>Fourth level</a:t>
             </a:r>
           </a:p>
           <a:p>
             <a:pPr lvl="4"/>
             <a:r>
-              <a:rPr lang="en-US" smtClean="0"/>
+              <a:rPr lang="en-US"/>
               <a:t>Fifth level</a:t>
             </a:r>
             <a:endParaRPr lang="vi-VN"/>
@@ -1194,35 +1200,35 @@
           <a:p>
             <a:pPr lvl="0"/>
             <a:r>
-              <a:rPr lang="en-US" smtClean="0"/>
+              <a:rPr lang="en-US"/>
               <a:t>Click to edit Master text styles</a:t>
             </a:r>
           </a:p>
           <a:p>
             <a:pPr lvl="1"/>
             <a:r>
-              <a:rPr lang="en-US" smtClean="0"/>
+              <a:rPr lang="en-US"/>
               <a:t>Second level</a:t>
             </a:r>
           </a:p>
           <a:p>
             <a:pPr lvl="2"/>
             <a:r>
-              <a:rPr lang="en-US" smtClean="0"/>
+              <a:rPr lang="en-US"/>
               <a:t>Third level</a:t>
             </a:r>
           </a:p>
           <a:p>
             <a:pPr lvl="3"/>
             <a:r>
-              <a:rPr lang="en-US" smtClean="0"/>
+              <a:rPr lang="en-US"/>
               <a:t>Fourth level</a:t>
             </a:r>
           </a:p>
           <a:p>
             <a:pPr lvl="4"/>
             <a:r>
-              <a:rPr lang="en-US" smtClean="0"/>
+              <a:rPr lang="en-US"/>
               <a:t>Fifth level</a:t>
             </a:r>
             <a:endParaRPr lang="vi-VN"/>
@@ -1246,7 +1252,7 @@
           <a:p>
             <a:fld id="{2391DE1D-4BE7-444D-B71B-21C361EB7A3C}" type="datetimeFigureOut">
               <a:rPr lang="vi-VN" smtClean="0"/>
-              <a:t>13/01/2018</a:t>
+              <a:t>28/01/2018</a:t>
             </a:fld>
             <a:endParaRPr lang="vi-VN"/>
           </a:p>
@@ -1345,7 +1351,7 @@
           <a:lstStyle/>
           <a:p>
             <a:r>
-              <a:rPr lang="en-US" smtClean="0"/>
+              <a:rPr lang="en-US"/>
               <a:t>Click to edit Master title style</a:t>
             </a:r>
             <a:endParaRPr lang="vi-VN"/>
@@ -1411,7 +1417,7 @@
           <a:p>
             <a:pPr lvl="0"/>
             <a:r>
-              <a:rPr lang="en-US" smtClean="0"/>
+              <a:rPr lang="en-US"/>
               <a:t>Click to edit Master text styles</a:t>
             </a:r>
           </a:p>
@@ -1439,35 +1445,35 @@
           <a:p>
             <a:pPr lvl="0"/>
             <a:r>
-              <a:rPr lang="en-US" smtClean="0"/>
+              <a:rPr lang="en-US"/>
               <a:t>Click to edit Master text styles</a:t>
             </a:r>
           </a:p>
           <a:p>
             <a:pPr lvl="1"/>
             <a:r>
-              <a:rPr lang="en-US" smtClean="0"/>
+              <a:rPr lang="en-US"/>
               <a:t>Second level</a:t>
             </a:r>
           </a:p>
           <a:p>
             <a:pPr lvl="2"/>
             <a:r>
-              <a:rPr lang="en-US" smtClean="0"/>
+              <a:rPr lang="en-US"/>
               <a:t>Third level</a:t>
             </a:r>
           </a:p>
           <a:p>
             <a:pPr lvl="3"/>
             <a:r>
-              <a:rPr lang="en-US" smtClean="0"/>
+              <a:rPr lang="en-US"/>
               <a:t>Fourth level</a:t>
             </a:r>
           </a:p>
           <a:p>
             <a:pPr lvl="4"/>
             <a:r>
-              <a:rPr lang="en-US" smtClean="0"/>
+              <a:rPr lang="en-US"/>
               <a:t>Fifth level</a:t>
             </a:r>
             <a:endParaRPr lang="vi-VN"/>
@@ -1533,7 +1539,7 @@
           <a:p>
             <a:pPr lvl="0"/>
             <a:r>
-              <a:rPr lang="en-US" smtClean="0"/>
+              <a:rPr lang="en-US"/>
               <a:t>Click to edit Master text styles</a:t>
             </a:r>
           </a:p>
@@ -1561,35 +1567,35 @@
           <a:p>
             <a:pPr lvl="0"/>
             <a:r>
-              <a:rPr lang="en-US" smtClean="0"/>
+              <a:rPr lang="en-US"/>
               <a:t>Click to edit Master text styles</a:t>
             </a:r>
           </a:p>
           <a:p>
             <a:pPr lvl="1"/>
             <a:r>
-              <a:rPr lang="en-US" smtClean="0"/>
+              <a:rPr lang="en-US"/>
               <a:t>Second level</a:t>
             </a:r>
           </a:p>
           <a:p>
             <a:pPr lvl="2"/>
             <a:r>
-              <a:rPr lang="en-US" smtClean="0"/>
+              <a:rPr lang="en-US"/>
               <a:t>Third level</a:t>
             </a:r>
           </a:p>
           <a:p>
             <a:pPr lvl="3"/>
             <a:r>
-              <a:rPr lang="en-US" smtClean="0"/>
+              <a:rPr lang="en-US"/>
               <a:t>Fourth level</a:t>
             </a:r>
           </a:p>
           <a:p>
             <a:pPr lvl="4"/>
             <a:r>
-              <a:rPr lang="en-US" smtClean="0"/>
+              <a:rPr lang="en-US"/>
               <a:t>Fifth level</a:t>
             </a:r>
             <a:endParaRPr lang="vi-VN"/>
@@ -1613,7 +1619,7 @@
           <a:p>
             <a:fld id="{2391DE1D-4BE7-444D-B71B-21C361EB7A3C}" type="datetimeFigureOut">
               <a:rPr lang="vi-VN" smtClean="0"/>
-              <a:t>13/01/2018</a:t>
+              <a:t>28/01/2018</a:t>
             </a:fld>
             <a:endParaRPr lang="vi-VN"/>
           </a:p>
@@ -1707,7 +1713,7 @@
           <a:lstStyle/>
           <a:p>
             <a:r>
-              <a:rPr lang="en-US" smtClean="0"/>
+              <a:rPr lang="en-US"/>
               <a:t>Click to edit Master title style</a:t>
             </a:r>
             <a:endParaRPr lang="vi-VN"/>
@@ -1731,7 +1737,7 @@
           <a:p>
             <a:fld id="{2391DE1D-4BE7-444D-B71B-21C361EB7A3C}" type="datetimeFigureOut">
               <a:rPr lang="vi-VN" smtClean="0"/>
-              <a:t>13/01/2018</a:t>
+              <a:t>28/01/2018</a:t>
             </a:fld>
             <a:endParaRPr lang="vi-VN"/>
           </a:p>
@@ -1826,7 +1832,7 @@
           <a:p>
             <a:fld id="{2391DE1D-4BE7-444D-B71B-21C361EB7A3C}" type="datetimeFigureOut">
               <a:rPr lang="vi-VN" smtClean="0"/>
-              <a:t>13/01/2018</a:t>
+              <a:t>28/01/2018</a:t>
             </a:fld>
             <a:endParaRPr lang="vi-VN"/>
           </a:p>
@@ -1929,7 +1935,7 @@
           </a:lstStyle>
           <a:p>
             <a:r>
-              <a:rPr lang="en-US" smtClean="0"/>
+              <a:rPr lang="en-US"/>
               <a:t>Click to edit Master title style</a:t>
             </a:r>
             <a:endParaRPr lang="vi-VN"/>
@@ -1986,35 +1992,35 @@
           <a:p>
             <a:pPr lvl="0"/>
             <a:r>
-              <a:rPr lang="en-US" smtClean="0"/>
+              <a:rPr lang="en-US"/>
               <a:t>Click to edit Master text styles</a:t>
             </a:r>
           </a:p>
           <a:p>
             <a:pPr lvl="1"/>
             <a:r>
-              <a:rPr lang="en-US" smtClean="0"/>
+              <a:rPr lang="en-US"/>
               <a:t>Second level</a:t>
             </a:r>
           </a:p>
           <a:p>
             <a:pPr lvl="2"/>
             <a:r>
-              <a:rPr lang="en-US" smtClean="0"/>
+              <a:rPr lang="en-US"/>
               <a:t>Third level</a:t>
             </a:r>
           </a:p>
           <a:p>
             <a:pPr lvl="3"/>
             <a:r>
-              <a:rPr lang="en-US" smtClean="0"/>
+              <a:rPr lang="en-US"/>
               <a:t>Fourth level</a:t>
             </a:r>
           </a:p>
           <a:p>
             <a:pPr lvl="4"/>
             <a:r>
-              <a:rPr lang="en-US" smtClean="0"/>
+              <a:rPr lang="en-US"/>
               <a:t>Fifth level</a:t>
             </a:r>
             <a:endParaRPr lang="vi-VN"/>
@@ -2080,7 +2086,7 @@
           <a:p>
             <a:pPr lvl="0"/>
             <a:r>
-              <a:rPr lang="en-US" smtClean="0"/>
+              <a:rPr lang="en-US"/>
               <a:t>Click to edit Master text styles</a:t>
             </a:r>
           </a:p>
@@ -2103,7 +2109,7 @@
           <a:p>
             <a:fld id="{2391DE1D-4BE7-444D-B71B-21C361EB7A3C}" type="datetimeFigureOut">
               <a:rPr lang="vi-VN" smtClean="0"/>
-              <a:t>13/01/2018</a:t>
+              <a:t>28/01/2018</a:t>
             </a:fld>
             <a:endParaRPr lang="vi-VN"/>
           </a:p>
@@ -2206,7 +2212,7 @@
           </a:lstStyle>
           <a:p>
             <a:r>
-              <a:rPr lang="en-US" smtClean="0"/>
+              <a:rPr lang="en-US"/>
               <a:t>Click to edit Master title style</a:t>
             </a:r>
             <a:endParaRPr lang="vi-VN"/>
@@ -2333,7 +2339,7 @@
           <a:p>
             <a:pPr lvl="0"/>
             <a:r>
-              <a:rPr lang="en-US" smtClean="0"/>
+              <a:rPr lang="en-US"/>
               <a:t>Click to edit Master text styles</a:t>
             </a:r>
           </a:p>
@@ -2356,7 +2362,7 @@
           <a:p>
             <a:fld id="{2391DE1D-4BE7-444D-B71B-21C361EB7A3C}" type="datetimeFigureOut">
               <a:rPr lang="vi-VN" smtClean="0"/>
-              <a:t>13/01/2018</a:t>
+              <a:t>28/01/2018</a:t>
             </a:fld>
             <a:endParaRPr lang="vi-VN"/>
           </a:p>
@@ -2465,7 +2471,7 @@
           <a:lstStyle/>
           <a:p>
             <a:r>
-              <a:rPr lang="en-US" smtClean="0"/>
+              <a:rPr lang="en-US"/>
               <a:t>Click to edit Master title style</a:t>
             </a:r>
             <a:endParaRPr lang="vi-VN"/>
@@ -2499,35 +2505,35 @@
           <a:p>
             <a:pPr lvl="0"/>
             <a:r>
-              <a:rPr lang="en-US" smtClean="0"/>
+              <a:rPr lang="en-US"/>
               <a:t>Click to edit Master text styles</a:t>
             </a:r>
           </a:p>
           <a:p>
             <a:pPr lvl="1"/>
             <a:r>
-              <a:rPr lang="en-US" smtClean="0"/>
+              <a:rPr lang="en-US"/>
               <a:t>Second level</a:t>
             </a:r>
           </a:p>
           <a:p>
             <a:pPr lvl="2"/>
             <a:r>
-              <a:rPr lang="en-US" smtClean="0"/>
+              <a:rPr lang="en-US"/>
               <a:t>Third level</a:t>
             </a:r>
           </a:p>
           <a:p>
             <a:pPr lvl="3"/>
             <a:r>
-              <a:rPr lang="en-US" smtClean="0"/>
+              <a:rPr lang="en-US"/>
               <a:t>Fourth level</a:t>
             </a:r>
           </a:p>
           <a:p>
             <a:pPr lvl="4"/>
             <a:r>
-              <a:rPr lang="en-US" smtClean="0"/>
+              <a:rPr lang="en-US"/>
               <a:t>Fifth level</a:t>
             </a:r>
             <a:endParaRPr lang="vi-VN"/>
@@ -2569,7 +2575,7 @@
           <a:p>
             <a:fld id="{2391DE1D-4BE7-444D-B71B-21C361EB7A3C}" type="datetimeFigureOut">
               <a:rPr lang="vi-VN" smtClean="0"/>
-              <a:t>13/01/2018</a:t>
+              <a:t>28/01/2018</a:t>
             </a:fld>
             <a:endParaRPr lang="vi-VN"/>
           </a:p>
@@ -2986,26 +2992,76 @@
         </p:nvSpPr>
         <p:spPr>
           <a:xfrm>
-            <a:off x="1469408" y="2050412"/>
+            <a:off x="1610557" y="2514600"/>
             <a:ext cx="9144000" cy="2387600"/>
           </a:xfrm>
         </p:spPr>
         <p:txBody>
-          <a:bodyPr/>
-          <a:lstStyle/>
-          <a:p>
-            <a:r>
-              <a:rPr lang="en-US" smtClean="0"/>
+          <a:bodyPr>
+            <a:normAutofit fontScale="90000"/>
+          </a:bodyPr>
+          <a:lstStyle/>
+          <a:p>
+            <a:br>
+              <a:rPr lang="en-US" dirty="0">
+                <a:latin typeface="+mj-ea"/>
+                <a:cs typeface="+mj-ea"/>
+              </a:rPr>
+            </a:br>
+            <a:br>
+              <a:rPr lang="en-US" dirty="0">
+                <a:latin typeface="+mj-ea"/>
+                <a:cs typeface="+mj-ea"/>
+              </a:rPr>
+            </a:br>
+            <a:br>
+              <a:rPr lang="en-US" dirty="0">
+                <a:latin typeface="+mj-ea"/>
+                <a:cs typeface="+mj-ea"/>
+              </a:rPr>
+            </a:br>
+            <a:br>
+              <a:rPr lang="en-US" dirty="0">
+                <a:latin typeface="+mj-ea"/>
+                <a:cs typeface="+mj-ea"/>
+              </a:rPr>
+            </a:br>
+            <a:br>
+              <a:rPr lang="en-US" dirty="0">
+                <a:latin typeface="+mj-ea"/>
+                <a:cs typeface="+mj-ea"/>
+              </a:rPr>
+            </a:br>
+            <a:r>
+              <a:rPr lang="en-US" b="1" dirty="0">
+                <a:latin typeface="Times New Roman"/>
+                <a:cs typeface="Times New Roman"/>
+              </a:rPr>
               <a:t>Software Engineer &amp; </a:t>
             </a:r>
             <a:br>
-              <a:rPr lang="en-US" smtClean="0"/>
+              <a:rPr lang="en-US" dirty="0">
+                <a:latin typeface="+mj-ea"/>
+                <a:cs typeface="+mj-ea"/>
+              </a:rPr>
             </a:br>
             <a:r>
-              <a:rPr lang="en-US" smtClean="0"/>
-              <a:t>what is take to become one</a:t>
-            </a:r>
-            <a:endParaRPr lang="vi-VN"/>
+              <a:rPr lang="en-US" b="1" dirty="0">
+                <a:latin typeface="Times New Roman"/>
+                <a:cs typeface="Times New Roman"/>
+              </a:rPr>
+              <a:t>what is takes to become one</a:t>
+            </a:r>
+            <a:br>
+              <a:rPr lang="en-US" dirty="0">
+                <a:latin typeface="+mj-ea"/>
+                <a:cs typeface="+mj-ea"/>
+              </a:rPr>
+            </a:br>
+            <a:endParaRPr lang="en-US" b="1">
+              <a:latin typeface="Times New Roman"/>
+              <a:cs typeface="Times New Roman"/>
+            </a:endParaRPr>
           </a:p>
         </p:txBody>
       </p:sp>
@@ -3019,13 +3075,473 @@
   <p:clrMapOvr>
     <a:masterClrMapping/>
   </p:clrMapOvr>
-  <p:timing>
-    <p:tnLst>
-      <p:par>
-        <p:cTn id="1" dur="indefinite" restart="never" nodeType="tmRoot"/>
-      </p:par>
-    </p:tnLst>
-  </p:timing>
+</p:sld>
+</file>
+
+<file path=ppt/slides/slide10.xml><?xml version="1.0" encoding="utf-8"?>
+<p:sld xmlns:a="http://schemas.openxmlformats.org/drawingml/2006/main" xmlns:r="http://schemas.openxmlformats.org/officeDocument/2006/relationships" xmlns:p="http://schemas.openxmlformats.org/presentationml/2006/main">
+  <p:cSld>
+    <p:spTree>
+      <p:nvGrpSpPr>
+        <p:cNvPr id="1" name=""/>
+        <p:cNvGrpSpPr/>
+        <p:nvPr/>
+      </p:nvGrpSpPr>
+      <p:grpSpPr>
+        <a:xfrm>
+          <a:off x="0" y="0"/>
+          <a:ext cx="0" cy="0"/>
+          <a:chOff x="0" y="0"/>
+          <a:chExt cx="0" cy="0"/>
+        </a:xfrm>
+      </p:grpSpPr>
+      <p:sp>
+        <p:nvSpPr>
+          <p:cNvPr id="2" name="Title 1">
+            <a:extLst>
+              <a:ext uri="{FF2B5EF4-FFF2-40B4-BE49-F238E27FC236}">
+                <a16:creationId xmlns:a16="http://schemas.microsoft.com/office/drawing/2014/main" id="{5E27A532-C267-4737-BF6C-9AC7F3F44024}"/>
+              </a:ext>
+            </a:extLst>
+          </p:cNvPr>
+          <p:cNvSpPr>
+            <a:spLocks noGrp="1"/>
+          </p:cNvSpPr>
+          <p:nvPr>
+            <p:ph type="title"/>
+          </p:nvPr>
+        </p:nvSpPr>
+        <p:spPr/>
+        <p:txBody>
+          <a:bodyPr>
+            <a:normAutofit/>
+          </a:bodyPr>
+          <a:lstStyle/>
+          <a:p>
+            <a:r>
+              <a:rPr lang="en-US" b="1" dirty="0">
+                <a:latin typeface="Times New Roman"/>
+                <a:cs typeface="Times New Roman"/>
+              </a:rPr>
+              <a:t>Interview</a:t>
+            </a:r>
+            <a:r>
+              <a:rPr lang="en-US" dirty="0"/>
+              <a:t> </a:t>
+            </a:r>
+          </a:p>
+        </p:txBody>
+      </p:sp>
+      <p:sp>
+        <p:nvSpPr>
+          <p:cNvPr id="3" name="Content Placeholder 2">
+            <a:extLst>
+              <a:ext uri="{FF2B5EF4-FFF2-40B4-BE49-F238E27FC236}">
+                <a16:creationId xmlns:a16="http://schemas.microsoft.com/office/drawing/2014/main" id="{338B880F-1BA4-442C-AB48-F675A4B53827}"/>
+              </a:ext>
+            </a:extLst>
+          </p:cNvPr>
+          <p:cNvSpPr>
+            <a:spLocks noGrp="1"/>
+          </p:cNvSpPr>
+          <p:nvPr>
+            <p:ph idx="1"/>
+          </p:nvPr>
+        </p:nvSpPr>
+        <p:spPr/>
+        <p:txBody>
+          <a:bodyPr vert="horz" lIns="91440" tIns="45720" rIns="91440" bIns="45720" rtlCol="0" anchor="t">
+            <a:noAutofit/>
+          </a:bodyPr>
+          <a:lstStyle/>
+          <a:p>
+            <a:pPr marL="0" indent="0">
+              <a:buNone/>
+            </a:pPr>
+            <a:r>
+              <a:rPr lang="en-US" sz="3200" dirty="0">
+                <a:latin typeface="Times New Roman"/>
+                <a:cs typeface="Times New Roman"/>
+              </a:rPr>
+              <a:t>What we need to prepare for interview</a:t>
+            </a:r>
+            <a:endParaRPr lang="en-US"/>
+          </a:p>
+          <a:p>
+            <a:pPr marL="971550" lvl="1" indent="-514350">
+              <a:buAutoNum type="arabicPeriod"/>
+            </a:pPr>
+            <a:r>
+              <a:rPr lang="en-US" sz="3200" dirty="0">
+                <a:latin typeface="Times New Roman"/>
+                <a:cs typeface="Times New Roman"/>
+              </a:rPr>
+              <a:t>English</a:t>
+            </a:r>
+          </a:p>
+          <a:p>
+            <a:pPr marL="971550" lvl="1" indent="-514350">
+              <a:buAutoNum type="arabicPeriod"/>
+            </a:pPr>
+            <a:r>
+              <a:rPr lang="en-US" sz="3200" dirty="0">
+                <a:latin typeface="Times New Roman"/>
+                <a:cs typeface="Times New Roman"/>
+              </a:rPr>
+              <a:t>Research the organization.</a:t>
+            </a:r>
+          </a:p>
+          <a:p>
+            <a:pPr marL="971550" lvl="1" indent="-514350">
+              <a:buAutoNum type="arabicPeriod"/>
+            </a:pPr>
+            <a:r>
+              <a:rPr lang="en-US" sz="3200" dirty="0">
+                <a:latin typeface="Times New Roman"/>
+                <a:cs typeface="Times New Roman"/>
+              </a:rPr>
+              <a:t>Compare your skills and qualifications to the job requirements.</a:t>
+            </a:r>
+          </a:p>
+          <a:p>
+            <a:pPr marL="971550" lvl="1" indent="-514350">
+              <a:buAutoNum type="arabicPeriod"/>
+            </a:pPr>
+            <a:r>
+              <a:rPr lang="en-US" sz="3200" dirty="0">
+                <a:latin typeface="Times New Roman"/>
+                <a:cs typeface="Times New Roman"/>
+              </a:rPr>
+              <a:t>Prepare responses</a:t>
+            </a:r>
+          </a:p>
+          <a:p>
+            <a:pPr marL="971550" lvl="1" indent="-514350">
+              <a:buAutoNum type="arabicPeriod"/>
+            </a:pPr>
+            <a:r>
+              <a:rPr lang="en-US" sz="3200" dirty="0">
+                <a:latin typeface="Times New Roman"/>
+                <a:cs typeface="Times New Roman"/>
+              </a:rPr>
+              <a:t>Plan what to wear.</a:t>
+            </a:r>
+          </a:p>
+          <a:p>
+            <a:pPr marL="971550" lvl="1" indent="-514350">
+              <a:buAutoNum type="arabicPeriod"/>
+            </a:pPr>
+            <a:r>
+              <a:rPr lang="en-US" sz="3200" dirty="0">
+                <a:latin typeface="Times New Roman"/>
+                <a:cs typeface="Times New Roman"/>
+              </a:rPr>
+              <a:t>Plan what to bring</a:t>
+            </a:r>
+          </a:p>
+          <a:p>
+            <a:pPr marL="971550" lvl="1" indent="-514350">
+              <a:buAutoNum type="arabicPeriod"/>
+            </a:pPr>
+            <a:r>
+              <a:rPr lang="en-US" sz="3200" dirty="0">
+                <a:latin typeface="Times New Roman"/>
+                <a:cs typeface="Times New Roman"/>
+              </a:rPr>
+              <a:t>Eye contact</a:t>
+            </a:r>
+          </a:p>
+          <a:p>
+            <a:pPr marL="971550" lvl="1" indent="-514350">
+              <a:buAutoNum type="arabicPeriod"/>
+            </a:pPr>
+            <a:endParaRPr lang="en-US" sz="3200" dirty="0">
+              <a:latin typeface="Times New Roman"/>
+              <a:cs typeface="Times New Roman"/>
+            </a:endParaRPr>
+          </a:p>
+          <a:p>
+            <a:pPr marL="971550" lvl="1" indent="-514350">
+              <a:buAutoNum type="arabicPeriod"/>
+            </a:pPr>
+            <a:endParaRPr lang="en-US" sz="3200" dirty="0">
+              <a:latin typeface="Times New Roman"/>
+              <a:cs typeface="Times New Roman"/>
+            </a:endParaRPr>
+          </a:p>
+        </p:txBody>
+      </p:sp>
+    </p:spTree>
+    <p:extLst>
+      <p:ext uri="{BB962C8B-B14F-4D97-AF65-F5344CB8AC3E}">
+        <p14:creationId xmlns:p14="http://schemas.microsoft.com/office/powerpoint/2010/main" val="3433017521"/>
+      </p:ext>
+    </p:extLst>
+  </p:cSld>
+  <p:clrMapOvr>
+    <a:masterClrMapping/>
+  </p:clrMapOvr>
+</p:sld>
+</file>
+
+<file path=ppt/slides/slide11.xml><?xml version="1.0" encoding="utf-8"?>
+<p:sld xmlns:a="http://schemas.openxmlformats.org/drawingml/2006/main" xmlns:r="http://schemas.openxmlformats.org/officeDocument/2006/relationships" xmlns:p="http://schemas.openxmlformats.org/presentationml/2006/main">
+  <p:cSld>
+    <p:spTree>
+      <p:nvGrpSpPr>
+        <p:cNvPr id="1" name=""/>
+        <p:cNvGrpSpPr/>
+        <p:nvPr/>
+      </p:nvGrpSpPr>
+      <p:grpSpPr>
+        <a:xfrm>
+          <a:off x="0" y="0"/>
+          <a:ext cx="0" cy="0"/>
+          <a:chOff x="0" y="0"/>
+          <a:chExt cx="0" cy="0"/>
+        </a:xfrm>
+      </p:grpSpPr>
+      <p:sp>
+        <p:nvSpPr>
+          <p:cNvPr id="2" name="Title 1">
+            <a:extLst>
+              <a:ext uri="{FF2B5EF4-FFF2-40B4-BE49-F238E27FC236}">
+                <a16:creationId xmlns:a16="http://schemas.microsoft.com/office/drawing/2014/main" id="{66276D3C-E2D9-4478-9F89-843EE87D137E}"/>
+              </a:ext>
+            </a:extLst>
+          </p:cNvPr>
+          <p:cNvSpPr>
+            <a:spLocks noGrp="1"/>
+          </p:cNvSpPr>
+          <p:nvPr>
+            <p:ph type="title"/>
+          </p:nvPr>
+        </p:nvSpPr>
+        <p:spPr/>
+        <p:txBody>
+          <a:bodyPr/>
+          <a:lstStyle/>
+          <a:p>
+            <a:endParaRPr lang="en-US"/>
+          </a:p>
+        </p:txBody>
+      </p:sp>
+      <p:sp>
+        <p:nvSpPr>
+          <p:cNvPr id="3" name="Content Placeholder 2">
+            <a:extLst>
+              <a:ext uri="{FF2B5EF4-FFF2-40B4-BE49-F238E27FC236}">
+                <a16:creationId xmlns:a16="http://schemas.microsoft.com/office/drawing/2014/main" id="{8D8D5C5F-9E92-4B23-9875-8B59CA66A0D6}"/>
+              </a:ext>
+            </a:extLst>
+          </p:cNvPr>
+          <p:cNvSpPr>
+            <a:spLocks noGrp="1"/>
+          </p:cNvSpPr>
+          <p:nvPr>
+            <p:ph idx="1"/>
+          </p:nvPr>
+        </p:nvSpPr>
+        <p:spPr/>
+        <p:txBody>
+          <a:bodyPr vert="horz" lIns="91440" tIns="45720" rIns="91440" bIns="45720" rtlCol="0" anchor="t">
+            <a:normAutofit/>
+          </a:bodyPr>
+          <a:lstStyle/>
+          <a:p>
+            <a:pPr marL="0" indent="0">
+              <a:buNone/>
+            </a:pPr>
+            <a:endParaRPr lang="en-US" sz="3200" dirty="0">
+              <a:latin typeface="Times New Roman"/>
+              <a:cs typeface="Times New Roman"/>
+            </a:endParaRPr>
+          </a:p>
+          <a:p>
+            <a:pPr marL="0" indent="0">
+              <a:buNone/>
+            </a:pPr>
+            <a:r>
+              <a:rPr lang="en-US" sz="3200" dirty="0">
+                <a:latin typeface="Times New Roman"/>
+                <a:cs typeface="Times New Roman"/>
+              </a:rPr>
+              <a:t>5 ways to make a good impression</a:t>
+            </a:r>
+            <a:endParaRPr lang="en-US" sz="3200" dirty="0"/>
+          </a:p>
+          <a:p>
+            <a:pPr lvl="1"/>
+            <a:r>
+              <a:rPr lang="en-US" sz="3200" dirty="0">
+                <a:latin typeface="Times New Roman"/>
+                <a:cs typeface="Times New Roman"/>
+              </a:rPr>
+              <a:t>Positivity </a:t>
+            </a:r>
+          </a:p>
+          <a:p>
+            <a:pPr lvl="1"/>
+            <a:r>
+              <a:rPr lang="en-US" sz="3200" dirty="0">
+                <a:latin typeface="Times New Roman"/>
+                <a:cs typeface="Times New Roman"/>
+              </a:rPr>
+              <a:t>Body language</a:t>
+            </a:r>
+          </a:p>
+          <a:p>
+            <a:pPr lvl="1"/>
+            <a:r>
+              <a:rPr lang="en-US" sz="3200" dirty="0">
+                <a:latin typeface="Times New Roman"/>
+                <a:cs typeface="Times New Roman"/>
+              </a:rPr>
+              <a:t>Clarity </a:t>
+            </a:r>
+          </a:p>
+          <a:p>
+            <a:pPr lvl="1"/>
+            <a:r>
+              <a:rPr lang="en-US" sz="3200" dirty="0">
+                <a:latin typeface="Times New Roman"/>
+                <a:cs typeface="Times New Roman"/>
+              </a:rPr>
+              <a:t>Enthusiasm </a:t>
+            </a:r>
+          </a:p>
+          <a:p>
+            <a:pPr lvl="1"/>
+            <a:r>
+              <a:rPr lang="en-US" sz="3200" dirty="0">
+                <a:latin typeface="Times New Roman"/>
+                <a:cs typeface="Times New Roman"/>
+              </a:rPr>
+              <a:t>Feedback</a:t>
+            </a:r>
+          </a:p>
+        </p:txBody>
+      </p:sp>
+    </p:spTree>
+    <p:extLst>
+      <p:ext uri="{BB962C8B-B14F-4D97-AF65-F5344CB8AC3E}">
+        <p14:creationId xmlns:p14="http://schemas.microsoft.com/office/powerpoint/2010/main" val="3969509825"/>
+      </p:ext>
+    </p:extLst>
+  </p:cSld>
+  <p:clrMapOvr>
+    <a:masterClrMapping/>
+  </p:clrMapOvr>
+</p:sld>
+</file>
+
+<file path=ppt/slides/slide12.xml><?xml version="1.0" encoding="utf-8"?>
+<p:sld xmlns:a="http://schemas.openxmlformats.org/drawingml/2006/main" xmlns:r="http://schemas.openxmlformats.org/officeDocument/2006/relationships" xmlns:p="http://schemas.openxmlformats.org/presentationml/2006/main">
+  <p:cSld>
+    <p:spTree>
+      <p:nvGrpSpPr>
+        <p:cNvPr id="1" name=""/>
+        <p:cNvGrpSpPr/>
+        <p:nvPr/>
+      </p:nvGrpSpPr>
+      <p:grpSpPr>
+        <a:xfrm>
+          <a:off x="0" y="0"/>
+          <a:ext cx="0" cy="0"/>
+          <a:chOff x="0" y="0"/>
+          <a:chExt cx="0" cy="0"/>
+        </a:xfrm>
+      </p:grpSpPr>
+      <p:sp>
+        <p:nvSpPr>
+          <p:cNvPr id="2" name="Title 1">
+            <a:extLst>
+              <a:ext uri="{FF2B5EF4-FFF2-40B4-BE49-F238E27FC236}">
+                <a16:creationId xmlns:a16="http://schemas.microsoft.com/office/drawing/2014/main" id="{F1CBCE0B-DB75-46F3-B172-7E44877ADAC2}"/>
+              </a:ext>
+            </a:extLst>
+          </p:cNvPr>
+          <p:cNvSpPr>
+            <a:spLocks noGrp="1"/>
+          </p:cNvSpPr>
+          <p:nvPr>
+            <p:ph type="title"/>
+          </p:nvPr>
+        </p:nvSpPr>
+        <p:spPr/>
+        <p:txBody>
+          <a:bodyPr/>
+          <a:lstStyle/>
+          <a:p>
+            <a:endParaRPr lang="en-US"/>
+          </a:p>
+        </p:txBody>
+      </p:sp>
+      <p:sp>
+        <p:nvSpPr>
+          <p:cNvPr id="3" name="Content Placeholder 2">
+            <a:extLst>
+              <a:ext uri="{FF2B5EF4-FFF2-40B4-BE49-F238E27FC236}">
+                <a16:creationId xmlns:a16="http://schemas.microsoft.com/office/drawing/2014/main" id="{EDD49DA6-89FF-4F35-98AB-C533D3840DCF}"/>
+              </a:ext>
+            </a:extLst>
+          </p:cNvPr>
+          <p:cNvSpPr>
+            <a:spLocks noGrp="1"/>
+          </p:cNvSpPr>
+          <p:nvPr>
+            <p:ph idx="1"/>
+          </p:nvPr>
+        </p:nvSpPr>
+        <p:spPr/>
+        <p:txBody>
+          <a:bodyPr vert="horz" lIns="91440" tIns="45720" rIns="91440" bIns="45720" rtlCol="0" anchor="t">
+            <a:normAutofit/>
+          </a:bodyPr>
+          <a:lstStyle/>
+          <a:p>
+            <a:pPr marL="0" indent="0">
+              <a:buNone/>
+            </a:pPr>
+            <a:endParaRPr lang="en-US" sz="5000" dirty="0">
+              <a:latin typeface="Times New Roman"/>
+              <a:cs typeface="Times New Roman"/>
+            </a:endParaRPr>
+          </a:p>
+          <a:p>
+            <a:pPr marL="0" indent="0">
+              <a:buNone/>
+            </a:pPr>
+            <a:endParaRPr lang="en-US" sz="5000" dirty="0">
+              <a:latin typeface="Times New Roman"/>
+              <a:cs typeface="Times New Roman"/>
+            </a:endParaRPr>
+          </a:p>
+          <a:p>
+            <a:pPr marL="0" indent="0" algn="ctr">
+              <a:buNone/>
+            </a:pPr>
+            <a:r>
+              <a:rPr lang="en-US" sz="5000" dirty="0">
+                <a:latin typeface="Times New Roman"/>
+                <a:cs typeface="Times New Roman"/>
+              </a:rPr>
+              <a:t>Thank you for listen</a:t>
+            </a:r>
+            <a:endParaRPr lang="en-US" sz="5000" dirty="0"/>
+          </a:p>
+        </p:txBody>
+      </p:sp>
+    </p:spTree>
+    <p:extLst>
+      <p:ext uri="{BB962C8B-B14F-4D97-AF65-F5344CB8AC3E}">
+        <p14:creationId xmlns:p14="http://schemas.microsoft.com/office/powerpoint/2010/main" val="2121553782"/>
+      </p:ext>
+    </p:extLst>
+  </p:cSld>
+  <p:clrMapOvr>
+    <a:masterClrMapping/>
+  </p:clrMapOvr>
 </p:sld>
 </file>
 
@@ -3077,7 +3593,7 @@
         </p:nvSpPr>
         <p:spPr/>
         <p:txBody>
-          <a:bodyPr>
+          <a:bodyPr vert="horz" lIns="91440" tIns="45720" rIns="91440" bIns="45720" rtlCol="0" anchor="t">
             <a:normAutofit/>
           </a:bodyPr>
           <a:lstStyle/>
@@ -3086,10 +3602,12 @@
               <a:buFont typeface="+mj-lt"/>
               <a:buAutoNum type="arabicParenR"/>
             </a:pPr>
-            <a:endParaRPr lang="en-US" sz="4000" smtClean="0">
+            <a:endParaRPr lang="en-US" sz="4000" dirty="0">
               <a:solidFill>
                 <a:schemeClr val="tx1"/>
               </a:solidFill>
+              <a:latin typeface="Times New Roman"/>
+              <a:cs typeface="Times New Roman"/>
             </a:endParaRPr>
           </a:p>
           <a:p>
@@ -3098,10 +3616,12 @@
               <a:buAutoNum type="arabicParenR"/>
             </a:pPr>
             <a:r>
-              <a:rPr lang="en-US" sz="5400" smtClean="0">
+              <a:rPr lang="en-US" sz="5400" dirty="0">
                 <a:solidFill>
                   <a:schemeClr val="tx1"/>
                 </a:solidFill>
+                <a:latin typeface="Times New Roman"/>
+                <a:cs typeface="Times New Roman"/>
               </a:rPr>
               <a:t>Software Engineer career path</a:t>
             </a:r>
@@ -3112,10 +3632,12 @@
               <a:buAutoNum type="arabicParenR"/>
             </a:pPr>
             <a:r>
-              <a:rPr lang="en-US" sz="5400" smtClean="0">
+              <a:rPr lang="en-US" sz="5400" dirty="0">
                 <a:solidFill>
                   <a:schemeClr val="tx1"/>
                 </a:solidFill>
+                <a:latin typeface="Times New Roman"/>
+                <a:cs typeface="Times New Roman"/>
               </a:rPr>
               <a:t>Build your own CV</a:t>
             </a:r>
@@ -3126,17 +3648,28 @@
               <a:buAutoNum type="arabicParenR"/>
             </a:pPr>
             <a:r>
-              <a:rPr lang="en-US" sz="5400" smtClean="0">
+              <a:rPr lang="en-US" sz="5400" dirty="0">
                 <a:solidFill>
                   <a:schemeClr val="tx1"/>
                 </a:solidFill>
-              </a:rPr>
-              <a:t>Interview </a:t>
+                <a:latin typeface="Times New Roman"/>
+                <a:cs typeface="Times New Roman"/>
+              </a:rPr>
+              <a:t>Interview</a:t>
+            </a:r>
+            <a:r>
+              <a:rPr lang="en-US" sz="5400" dirty="0">
+                <a:latin typeface="Times New Roman"/>
+                <a:cs typeface="Times New Roman"/>
+              </a:rPr>
+              <a:t> </a:t>
             </a:r>
             <a:endParaRPr lang="vi-VN" sz="5400">
               <a:solidFill>
                 <a:schemeClr val="tx1"/>
               </a:solidFill>
+              <a:latin typeface="Times New Roman"/>
+              <a:cs typeface="Times New Roman"/>
             </a:endParaRPr>
           </a:p>
         </p:txBody>
@@ -3151,13 +3684,6 @@
   <p:clrMapOvr>
     <a:masterClrMapping/>
   </p:clrMapOvr>
-  <p:timing>
-    <p:tnLst>
-      <p:par>
-        <p:cTn id="1" dur="indefinite" restart="never" nodeType="tmRoot"/>
-      </p:par>
-    </p:tnLst>
-  </p:timing>
 </p:sld>
 </file>
 
@@ -3180,7 +3706,13 @@
       </p:grpSpPr>
       <p:sp>
         <p:nvSpPr>
-          <p:cNvPr id="2" name="Title 1"/>
+          <p:cNvPr id="2" name="Title 1">
+            <a:extLst>
+              <a:ext uri="{FF2B5EF4-FFF2-40B4-BE49-F238E27FC236}">
+                <a16:creationId xmlns:a16="http://schemas.microsoft.com/office/drawing/2014/main" id="{6BDB1866-B6A2-477C-9A76-66580B7B49BB}"/>
+              </a:ext>
+            </a:extLst>
+          </p:cNvPr>
           <p:cNvSpPr>
             <a:spLocks noGrp="1"/>
           </p:cNvSpPr>
@@ -3193,13 +3725,19 @@
           <a:bodyPr/>
           <a:lstStyle/>
           <a:p>
-            <a:endParaRPr lang="vi-VN"/>
-          </a:p>
-        </p:txBody>
-      </p:sp>
-      <p:sp>
-        <p:nvSpPr>
-          <p:cNvPr id="3" name="Content Placeholder 2"/>
+            <a:endParaRPr lang="en-US" dirty="0"/>
+          </a:p>
+        </p:txBody>
+      </p:sp>
+      <p:sp>
+        <p:nvSpPr>
+          <p:cNvPr id="3" name="Content Placeholder 2">
+            <a:extLst>
+              <a:ext uri="{FF2B5EF4-FFF2-40B4-BE49-F238E27FC236}">
+                <a16:creationId xmlns:a16="http://schemas.microsoft.com/office/drawing/2014/main" id="{3317CAE5-A40B-4F7D-B577-EC31E960CB2E}"/>
+              </a:ext>
+            </a:extLst>
+          </p:cNvPr>
           <p:cNvSpPr>
             <a:spLocks noGrp="1"/>
           </p:cNvSpPr>
@@ -3209,76 +3747,52 @@
         </p:nvSpPr>
         <p:spPr/>
         <p:txBody>
-          <a:bodyPr/>
-          <a:lstStyle/>
-          <a:p>
-            <a:pPr marL="514350" indent="-514350">
-              <a:buAutoNum type="arabicPeriod"/>
+          <a:bodyPr vert="horz" lIns="91440" tIns="45720" rIns="91440" bIns="45720" rtlCol="0" anchor="t">
+            <a:normAutofit/>
+          </a:bodyPr>
+          <a:lstStyle/>
+          <a:p>
+            <a:pPr marL="0" indent="0" algn="ctr">
+              <a:buNone/>
             </a:pPr>
-            <a:r>
-              <a:rPr lang="en-US" sz="3200" smtClean="0">
-                <a:solidFill>
-                  <a:schemeClr val="tx1"/>
-                </a:solidFill>
-              </a:rPr>
-              <a:t>Software Engineer career path</a:t>
-            </a:r>
-          </a:p>
-          <a:p>
-            <a:pPr marL="0" indent="0">
+            <a:endParaRPr lang="en-US" sz="4800" dirty="0">
+              <a:latin typeface="Times New Roman"/>
+              <a:cs typeface="Times New Roman"/>
+            </a:endParaRPr>
+          </a:p>
+          <a:p>
+            <a:pPr marL="0" indent="0" algn="ctr">
               <a:buNone/>
             </a:pPr>
-            <a:endParaRPr lang="en-US" sz="3200" smtClean="0">
-              <a:solidFill>
-                <a:schemeClr val="tx1"/>
-              </a:solidFill>
+            <a:endParaRPr lang="en-US" sz="4800" dirty="0">
+              <a:latin typeface="Times New Roman"/>
+              <a:cs typeface="Times New Roman"/>
             </a:endParaRPr>
           </a:p>
           <a:p>
-            <a:pPr marL="0" indent="0">
+            <a:pPr marL="0" indent="0" algn="ctr">
               <a:buNone/>
             </a:pPr>
             <a:r>
-              <a:rPr lang="en-US" sz="3200" smtClean="0"/>
-              <a:t>A</a:t>
-            </a:r>
-            <a:r>
-              <a:rPr lang="en-US" sz="3200"/>
-              <a:t> software engineer is a person who applies the principles of software engineering to the design, development, maintenance, testing, and evaluation of the software that make computers or other devices containing software work.</a:t>
-            </a:r>
-          </a:p>
-          <a:p>
-            <a:pPr marL="0" indent="0">
-              <a:buNone/>
-            </a:pPr>
-            <a:r>
-              <a:rPr lang="en-US"/>
-              <a:t/>
-            </a:r>
-            <a:br>
-              <a:rPr lang="en-US"/>
-            </a:br>
-            <a:endParaRPr lang="vi-VN"/>
+              <a:rPr lang="en-US" sz="4800" dirty="0">
+                <a:latin typeface="Times New Roman"/>
+                <a:cs typeface="Times New Roman"/>
+              </a:rPr>
+              <a:t>Do What You Love. Love What You Do</a:t>
+            </a:r>
           </a:p>
         </p:txBody>
       </p:sp>
     </p:spTree>
     <p:extLst>
       <p:ext uri="{BB962C8B-B14F-4D97-AF65-F5344CB8AC3E}">
-        <p14:creationId xmlns:p14="http://schemas.microsoft.com/office/powerpoint/2010/main" val="2634156548"/>
+        <p14:creationId xmlns:p14="http://schemas.microsoft.com/office/powerpoint/2010/main" val="1441143589"/>
       </p:ext>
     </p:extLst>
   </p:cSld>
   <p:clrMapOvr>
     <a:masterClrMapping/>
   </p:clrMapOvr>
-  <p:timing>
-    <p:tnLst>
-      <p:par>
-        <p:cTn id="1" dur="indefinite" restart="never" nodeType="tmRoot"/>
-      </p:par>
-    </p:tnLst>
-  </p:timing>
 </p:sld>
 </file>
 
@@ -3314,11 +3828,447 @@
           <a:bodyPr/>
           <a:lstStyle/>
           <a:p>
-            <a:r>
-              <a:rPr lang="en-US" smtClean="0"/>
+            <a:endParaRPr lang="en-US" dirty="0">
+              <a:latin typeface="Times New Roman"/>
+              <a:cs typeface="Times New Roman"/>
+            </a:endParaRPr>
+          </a:p>
+        </p:txBody>
+      </p:sp>
+      <p:sp>
+        <p:nvSpPr>
+          <p:cNvPr id="3" name="Content Placeholder 2"/>
+          <p:cNvSpPr>
+            <a:spLocks noGrp="1"/>
+          </p:cNvSpPr>
+          <p:nvPr>
+            <p:ph idx="1"/>
+          </p:nvPr>
+        </p:nvSpPr>
+        <p:spPr/>
+        <p:txBody>
+          <a:bodyPr vert="horz" lIns="91440" tIns="45720" rIns="91440" bIns="45720" rtlCol="0" anchor="t">
+            <a:normAutofit/>
+          </a:bodyPr>
+          <a:lstStyle/>
+          <a:p>
+            <a:pPr marL="514350" indent="-514350">
+              <a:buAutoNum type="arabicPeriod"/>
+            </a:pPr>
+            <a:r>
+              <a:rPr lang="en-US" sz="3200" dirty="0">
+                <a:solidFill>
+                  <a:schemeClr val="tx1"/>
+                </a:solidFill>
+                <a:latin typeface="Times New Roman"/>
+                <a:cs typeface="Times New Roman"/>
+              </a:rPr>
+              <a:t>Software Engineer career path</a:t>
+            </a:r>
+          </a:p>
+          <a:p>
+            <a:pPr marL="0" indent="0">
+              <a:buNone/>
+            </a:pPr>
+            <a:endParaRPr lang="en-US" sz="3200" dirty="0">
+              <a:solidFill>
+                <a:schemeClr val="tx1"/>
+              </a:solidFill>
+              <a:latin typeface="Times New Roman"/>
+              <a:cs typeface="Times New Roman"/>
+            </a:endParaRPr>
+          </a:p>
+          <a:p>
+            <a:pPr marL="0" indent="0">
+              <a:buNone/>
+            </a:pPr>
+            <a:r>
+              <a:rPr lang="en-US" sz="3200" dirty="0">
+                <a:latin typeface="Times New Roman"/>
+                <a:cs typeface="Times New Roman"/>
+              </a:rPr>
+              <a:t>A software engineer is a person who applies the principles of software engineering to the design, development, maintenance, testing, and evaluation of the software that make computers or other devices containing software work.</a:t>
+            </a:r>
+          </a:p>
+          <a:p>
+            <a:pPr marL="0" indent="0">
+              <a:buNone/>
+            </a:pPr>
+            <a:br>
+              <a:rPr lang="en-US" dirty="0">
+                <a:latin typeface="+mn-ea"/>
+                <a:cs typeface="+mn-ea"/>
+              </a:rPr>
+            </a:br>
+            <a:endParaRPr lang="vi-VN">
+              <a:latin typeface="Times New Roman"/>
+              <a:cs typeface="Times New Roman"/>
+            </a:endParaRPr>
+          </a:p>
+        </p:txBody>
+      </p:sp>
+    </p:spTree>
+    <p:extLst>
+      <p:ext uri="{BB962C8B-B14F-4D97-AF65-F5344CB8AC3E}">
+        <p14:creationId xmlns:p14="http://schemas.microsoft.com/office/powerpoint/2010/main" val="2634156548"/>
+      </p:ext>
+    </p:extLst>
+  </p:cSld>
+  <p:clrMapOvr>
+    <a:masterClrMapping/>
+  </p:clrMapOvr>
+</p:sld>
+</file>
+
+<file path=ppt/slides/slide5.xml><?xml version="1.0" encoding="utf-8"?>
+<p:sld xmlns:a="http://schemas.openxmlformats.org/drawingml/2006/main" xmlns:r="http://schemas.openxmlformats.org/officeDocument/2006/relationships" xmlns:p="http://schemas.openxmlformats.org/presentationml/2006/main">
+  <p:cSld>
+    <p:spTree>
+      <p:nvGrpSpPr>
+        <p:cNvPr id="1" name=""/>
+        <p:cNvGrpSpPr/>
+        <p:nvPr/>
+      </p:nvGrpSpPr>
+      <p:grpSpPr>
+        <a:xfrm>
+          <a:off x="0" y="0"/>
+          <a:ext cx="0" cy="0"/>
+          <a:chOff x="0" y="0"/>
+          <a:chExt cx="0" cy="0"/>
+        </a:xfrm>
+      </p:grpSpPr>
+      <p:sp>
+        <p:nvSpPr>
+          <p:cNvPr id="2" name="Title 1">
+            <a:extLst>
+              <a:ext uri="{FF2B5EF4-FFF2-40B4-BE49-F238E27FC236}">
+                <a16:creationId xmlns:a16="http://schemas.microsoft.com/office/drawing/2014/main" id="{02A879DA-3AB2-46BA-9500-985CC44FD354}"/>
+              </a:ext>
+            </a:extLst>
+          </p:cNvPr>
+          <p:cNvSpPr>
+            <a:spLocks noGrp="1"/>
+          </p:cNvSpPr>
+          <p:nvPr>
+            <p:ph type="title"/>
+          </p:nvPr>
+        </p:nvSpPr>
+        <p:spPr>
+          <a:xfrm>
+            <a:off x="638175" y="457200"/>
+            <a:ext cx="10515600" cy="1325563"/>
+          </a:xfrm>
+        </p:spPr>
+        <p:txBody>
+          <a:bodyPr>
+            <a:normAutofit/>
+          </a:bodyPr>
+          <a:lstStyle/>
+          <a:p>
+            <a:r>
+              <a:rPr lang="en-US" sz="4000" dirty="0">
+                <a:latin typeface="Times New Roman"/>
+                <a:cs typeface="Times New Roman"/>
+              </a:rPr>
+              <a:t>13 Types of Software Developers</a:t>
+            </a:r>
+          </a:p>
+          <a:p>
+            <a:endParaRPr lang="en-US" sz="4000" dirty="0">
+              <a:latin typeface="Times New Roman"/>
+              <a:cs typeface="Times New Roman"/>
+            </a:endParaRPr>
+          </a:p>
+        </p:txBody>
+      </p:sp>
+      <p:sp>
+        <p:nvSpPr>
+          <p:cNvPr id="3" name="Content Placeholder 2">
+            <a:extLst>
+              <a:ext uri="{FF2B5EF4-FFF2-40B4-BE49-F238E27FC236}">
+                <a16:creationId xmlns:a16="http://schemas.microsoft.com/office/drawing/2014/main" id="{FF6B4F48-4CB8-47D0-80EE-8FF9B7F52825}"/>
+              </a:ext>
+            </a:extLst>
+          </p:cNvPr>
+          <p:cNvSpPr>
+            <a:spLocks noGrp="1"/>
+          </p:cNvSpPr>
+          <p:nvPr>
+            <p:ph idx="1"/>
+          </p:nvPr>
+        </p:nvSpPr>
+        <p:spPr>
+          <a:xfrm>
+            <a:off x="2009775" y="1895475"/>
+            <a:ext cx="3797808" cy="3794362"/>
+          </a:xfrm>
+        </p:spPr>
+        <p:txBody>
+          <a:bodyPr vert="horz" lIns="91440" tIns="45720" rIns="91440" bIns="45720" rtlCol="0" anchor="t">
+            <a:noAutofit/>
+          </a:bodyPr>
+          <a:lstStyle/>
+          <a:p>
+            <a:r>
+              <a:rPr lang="en-US" sz="3000" dirty="0">
+                <a:latin typeface="Times New Roman"/>
+                <a:cs typeface="Times New Roman"/>
+              </a:rPr>
+              <a:t>Front End </a:t>
+            </a:r>
+          </a:p>
+          <a:p>
+            <a:r>
+              <a:rPr lang="en-US" sz="3000" dirty="0">
+                <a:latin typeface="Times New Roman"/>
+                <a:cs typeface="Times New Roman"/>
+              </a:rPr>
+              <a:t>Mobile </a:t>
+            </a:r>
+          </a:p>
+          <a:p>
+            <a:r>
+              <a:rPr lang="en-US" sz="3000" dirty="0">
+                <a:latin typeface="Times New Roman"/>
+                <a:cs typeface="Times New Roman"/>
+              </a:rPr>
+              <a:t>Gaming </a:t>
+            </a:r>
+          </a:p>
+          <a:p>
+            <a:r>
+              <a:rPr lang="en-US" sz="3000" dirty="0">
+                <a:latin typeface="Times New Roman"/>
+                <a:cs typeface="Times New Roman"/>
+              </a:rPr>
+              <a:t>Back-end</a:t>
+            </a:r>
+          </a:p>
+          <a:p>
+            <a:r>
+              <a:rPr lang="en-US" sz="3000" dirty="0">
+                <a:latin typeface="Times New Roman"/>
+                <a:cs typeface="Times New Roman"/>
+              </a:rPr>
+              <a:t>Application</a:t>
+            </a:r>
+          </a:p>
+          <a:p>
+            <a:r>
+              <a:rPr lang="en-US" sz="3000" dirty="0">
+                <a:latin typeface="Times New Roman"/>
+                <a:cs typeface="Times New Roman"/>
+              </a:rPr>
+              <a:t>Data Science</a:t>
+            </a:r>
+          </a:p>
+          <a:p>
+            <a:endParaRPr lang="en-US" sz="3000" dirty="0">
+              <a:latin typeface="Times New Roman"/>
+              <a:cs typeface="Times New Roman"/>
+            </a:endParaRPr>
+          </a:p>
+        </p:txBody>
+      </p:sp>
+      <p:sp>
+        <p:nvSpPr>
+          <p:cNvPr id="4" name="TextBox 3">
+            <a:extLst>
+              <a:ext uri="{FF2B5EF4-FFF2-40B4-BE49-F238E27FC236}">
+                <a16:creationId xmlns:a16="http://schemas.microsoft.com/office/drawing/2014/main" id="{8F828B1F-270E-407B-B696-6763901DE7FB}"/>
+              </a:ext>
+            </a:extLst>
+          </p:cNvPr>
+          <p:cNvSpPr txBox="1"/>
+          <p:nvPr/>
+        </p:nvSpPr>
+        <p:spPr>
+          <a:xfrm>
+            <a:off x="6686550" y="1895475"/>
+            <a:ext cx="6096000" cy="3323987"/>
+          </a:xfrm>
+          <a:prstGeom prst="rect">
+            <a:avLst/>
+          </a:prstGeom>
+        </p:spPr>
+        <p:txBody>
+          <a:bodyPr rot="0" spcFirstLastPara="0" vertOverflow="overflow" horzOverflow="overflow" vert="horz" wrap="square" lIns="91440" tIns="45720" rIns="91440" bIns="45720" numCol="1" spcCol="0" rtlCol="0" fromWordArt="0" anchor="t" anchorCtr="0" forceAA="0" compatLnSpc="1">
+            <a:prstTxWarp prst="textNoShape">
+              <a:avLst/>
+            </a:prstTxWarp>
+            <a:spAutoFit/>
+          </a:bodyPr>
+          <a:lstStyle/>
+          <a:p>
+            <a:pPr>
+              <a:buChar char="•"/>
+            </a:pPr>
+            <a:r>
+              <a:rPr lang="en-US" sz="3000" dirty="0">
+                <a:latin typeface="Times New Roman"/>
+                <a:cs typeface="Arial"/>
+              </a:rPr>
+              <a:t> QA / Test ​</a:t>
+            </a:r>
+            <a:endParaRPr lang="en-US" sz="3000" dirty="0">
+              <a:latin typeface="Times New Roman"/>
+              <a:cs typeface="Times New Roman"/>
+            </a:endParaRPr>
+          </a:p>
+          <a:p>
+            <a:pPr>
+              <a:buChar char="•"/>
+            </a:pPr>
+            <a:r>
+              <a:rPr lang="en-US" sz="3000" dirty="0">
+                <a:latin typeface="Times New Roman"/>
+                <a:cs typeface="Arial"/>
+              </a:rPr>
+              <a:t> Algorithms ​</a:t>
+            </a:r>
+            <a:endParaRPr lang="en-US" sz="3000" dirty="0">
+              <a:latin typeface="Times New Roman"/>
+              <a:cs typeface="Times New Roman"/>
+            </a:endParaRPr>
+          </a:p>
+          <a:p>
+            <a:pPr>
+              <a:buChar char="•"/>
+            </a:pPr>
+            <a:r>
+              <a:rPr lang="en-US" sz="3000" dirty="0">
+                <a:latin typeface="Times New Roman"/>
+                <a:cs typeface="Arial"/>
+              </a:rPr>
+              <a:t> Embedded​</a:t>
+            </a:r>
+            <a:endParaRPr lang="en-US" sz="3000" dirty="0">
+              <a:latin typeface="Times New Roman"/>
+              <a:cs typeface="Times New Roman"/>
+            </a:endParaRPr>
+          </a:p>
+          <a:p>
+            <a:pPr>
+              <a:buChar char="•"/>
+            </a:pPr>
+            <a:r>
+              <a:rPr lang="en-US" sz="3000" dirty="0">
+                <a:latin typeface="Times New Roman"/>
+                <a:cs typeface="Arial"/>
+              </a:rPr>
+              <a:t> OS​</a:t>
+            </a:r>
+            <a:endParaRPr lang="en-US" sz="3000" dirty="0">
+              <a:latin typeface="Times New Roman"/>
+              <a:cs typeface="Times New Roman"/>
+            </a:endParaRPr>
+          </a:p>
+          <a:p>
+            <a:pPr>
+              <a:buChar char="•"/>
+            </a:pPr>
+            <a:r>
+              <a:rPr lang="en-US" sz="3000" dirty="0">
+                <a:latin typeface="Times New Roman"/>
+                <a:cs typeface="Arial"/>
+              </a:rPr>
+              <a:t> DEV-OPS ​</a:t>
+            </a:r>
+            <a:endParaRPr lang="en-US" sz="3000" dirty="0">
+              <a:latin typeface="Times New Roman"/>
+              <a:cs typeface="Times New Roman"/>
+            </a:endParaRPr>
+          </a:p>
+          <a:p>
+            <a:pPr>
+              <a:buChar char="•"/>
+            </a:pPr>
+            <a:r>
+              <a:rPr lang="en-US" sz="3000" dirty="0">
+                <a:latin typeface="Times New Roman"/>
+                <a:cs typeface="Arial"/>
+              </a:rPr>
+              <a:t> Full Stack​</a:t>
+            </a:r>
+            <a:endParaRPr lang="en-US" sz="3000" dirty="0">
+              <a:latin typeface="Times New Roman"/>
+              <a:cs typeface="Times New Roman"/>
+            </a:endParaRPr>
+          </a:p>
+          <a:p>
+            <a:pPr>
+              <a:buChar char="•"/>
+            </a:pPr>
+            <a:r>
+              <a:rPr lang="en-US" sz="3000" dirty="0">
+                <a:latin typeface="Times New Roman"/>
+                <a:cs typeface="Arial"/>
+              </a:rPr>
+              <a:t> Language – Compiler</a:t>
+            </a:r>
+            <a:endParaRPr lang="en-US" sz="3000" dirty="0">
+              <a:latin typeface="Times New Roman"/>
+              <a:cs typeface="Times New Roman"/>
+            </a:endParaRPr>
+          </a:p>
+        </p:txBody>
+      </p:sp>
+    </p:spTree>
+    <p:extLst>
+      <p:ext uri="{BB962C8B-B14F-4D97-AF65-F5344CB8AC3E}">
+        <p14:creationId xmlns:p14="http://schemas.microsoft.com/office/powerpoint/2010/main" val="1649907345"/>
+      </p:ext>
+    </p:extLst>
+  </p:cSld>
+  <p:clrMapOvr>
+    <a:masterClrMapping/>
+  </p:clrMapOvr>
+</p:sld>
+</file>
+
+<file path=ppt/slides/slide6.xml><?xml version="1.0" encoding="utf-8"?>
+<p:sld xmlns:a="http://schemas.openxmlformats.org/drawingml/2006/main" xmlns:r="http://schemas.openxmlformats.org/officeDocument/2006/relationships" xmlns:p="http://schemas.openxmlformats.org/presentationml/2006/main">
+  <p:cSld>
+    <p:spTree>
+      <p:nvGrpSpPr>
+        <p:cNvPr id="1" name=""/>
+        <p:cNvGrpSpPr/>
+        <p:nvPr/>
+      </p:nvGrpSpPr>
+      <p:grpSpPr>
+        <a:xfrm>
+          <a:off x="0" y="0"/>
+          <a:ext cx="0" cy="0"/>
+          <a:chOff x="0" y="0"/>
+          <a:chExt cx="0" cy="0"/>
+        </a:xfrm>
+      </p:grpSpPr>
+      <p:sp>
+        <p:nvSpPr>
+          <p:cNvPr id="2" name="Title 1"/>
+          <p:cNvSpPr>
+            <a:spLocks noGrp="1"/>
+          </p:cNvSpPr>
+          <p:nvPr>
+            <p:ph type="title"/>
+          </p:nvPr>
+        </p:nvSpPr>
+        <p:spPr/>
+        <p:txBody>
+          <a:bodyPr/>
+          <a:lstStyle/>
+          <a:p>
+            <a:r>
+              <a:rPr lang="en-US" dirty="0">
+                <a:latin typeface="Times New Roman"/>
+                <a:cs typeface="Times New Roman"/>
+              </a:rPr>
               <a:t>Developer Career</a:t>
             </a:r>
-            <a:endParaRPr lang="vi-VN"/>
+            <a:endParaRPr lang="vi-VN" dirty="0">
+              <a:latin typeface="Times New Roman"/>
+              <a:cs typeface="Times New Roman"/>
+            </a:endParaRPr>
           </a:p>
         </p:txBody>
       </p:sp>
@@ -3361,17 +4311,10 @@
   <p:clrMapOvr>
     <a:masterClrMapping/>
   </p:clrMapOvr>
-  <p:timing>
-    <p:tnLst>
-      <p:par>
-        <p:cTn id="1" dur="indefinite" restart="never" nodeType="tmRoot"/>
-      </p:par>
-    </p:tnLst>
-  </p:timing>
 </p:sld>
 </file>
 
-<file path=ppt/slides/slide5.xml><?xml version="1.0" encoding="utf-8"?>
+<file path=ppt/slides/slide7.xml><?xml version="1.0" encoding="utf-8"?>
 <p:sld xmlns:a="http://schemas.openxmlformats.org/drawingml/2006/main" xmlns:r="http://schemas.openxmlformats.org/officeDocument/2006/relationships" xmlns:p="http://schemas.openxmlformats.org/presentationml/2006/main">
   <p:cSld>
     <p:spTree>
@@ -3404,10 +4347,16 @@
           <a:lstStyle/>
           <a:p>
             <a:r>
-              <a:rPr lang="en-US" smtClean="0"/>
+              <a:rPr lang="en-US" dirty="0">
+                <a:latin typeface="Times New Roman"/>
+                <a:cs typeface="Times New Roman"/>
+              </a:rPr>
               <a:t>Tester Career</a:t>
             </a:r>
-            <a:endParaRPr lang="vi-VN"/>
+            <a:endParaRPr lang="vi-VN">
+              <a:latin typeface="Times New Roman"/>
+              <a:cs typeface="Times New Roman"/>
+            </a:endParaRPr>
           </a:p>
         </p:txBody>
       </p:sp>
@@ -3450,17 +4399,10 @@
   <p:clrMapOvr>
     <a:masterClrMapping/>
   </p:clrMapOvr>
-  <p:timing>
-    <p:tnLst>
-      <p:par>
-        <p:cTn id="1" dur="indefinite" restart="never" nodeType="tmRoot"/>
-      </p:par>
-    </p:tnLst>
-  </p:timing>
 </p:sld>
 </file>
 
-<file path=ppt/slides/slide6.xml><?xml version="1.0" encoding="utf-8"?>
+<file path=ppt/slides/slide8.xml><?xml version="1.0" encoding="utf-8"?>
 <p:sld xmlns:a="http://schemas.openxmlformats.org/drawingml/2006/main" xmlns:r="http://schemas.openxmlformats.org/officeDocument/2006/relationships" xmlns:p="http://schemas.openxmlformats.org/presentationml/2006/main">
   <p:cSld>
     <p:spTree>
@@ -3498,10 +4440,16 @@
           <a:lstStyle/>
           <a:p>
             <a:r>
-              <a:rPr lang="en-US" smtClean="0"/>
+              <a:rPr lang="en-US" dirty="0">
+                <a:latin typeface="Times New Roman"/>
+                <a:cs typeface="Times New Roman"/>
+              </a:rPr>
               <a:t>Software Engineer Skillset</a:t>
             </a:r>
-            <a:endParaRPr lang="vi-VN"/>
+            <a:endParaRPr lang="vi-VN" dirty="0">
+              <a:latin typeface="Times New Roman"/>
+              <a:cs typeface="Times New Roman"/>
+            </a:endParaRPr>
           </a:p>
         </p:txBody>
       </p:sp>
@@ -3544,13 +4492,262 @@
   <p:clrMapOvr>
     <a:masterClrMapping/>
   </p:clrMapOvr>
-  <p:timing>
-    <p:tnLst>
-      <p:par>
-        <p:cTn id="1" dur="indefinite" restart="never" nodeType="tmRoot"/>
-      </p:par>
-    </p:tnLst>
-  </p:timing>
+</p:sld>
+</file>
+
+<file path=ppt/slides/slide9.xml><?xml version="1.0" encoding="utf-8"?>
+<p:sld xmlns:a="http://schemas.openxmlformats.org/drawingml/2006/main" xmlns:r="http://schemas.openxmlformats.org/officeDocument/2006/relationships" xmlns:p="http://schemas.openxmlformats.org/presentationml/2006/main">
+  <p:cSld>
+    <p:spTree>
+      <p:nvGrpSpPr>
+        <p:cNvPr id="1" name=""/>
+        <p:cNvGrpSpPr/>
+        <p:nvPr/>
+      </p:nvGrpSpPr>
+      <p:grpSpPr>
+        <a:xfrm>
+          <a:off x="0" y="0"/>
+          <a:ext cx="0" cy="0"/>
+          <a:chOff x="0" y="0"/>
+          <a:chExt cx="0" cy="0"/>
+        </a:xfrm>
+      </p:grpSpPr>
+      <p:sp>
+        <p:nvSpPr>
+          <p:cNvPr id="2" name="Title 1">
+            <a:extLst>
+              <a:ext uri="{FF2B5EF4-FFF2-40B4-BE49-F238E27FC236}">
+                <a16:creationId xmlns:a16="http://schemas.microsoft.com/office/drawing/2014/main" id="{07A9B1F8-7444-499B-9E96-D2DBDC413660}"/>
+              </a:ext>
+            </a:extLst>
+          </p:cNvPr>
+          <p:cNvSpPr>
+            <a:spLocks noGrp="1"/>
+          </p:cNvSpPr>
+          <p:nvPr>
+            <p:ph type="title"/>
+          </p:nvPr>
+        </p:nvSpPr>
+        <p:spPr/>
+        <p:txBody>
+          <a:bodyPr>
+            <a:normAutofit fontScale="90000"/>
+          </a:bodyPr>
+          <a:lstStyle/>
+          <a:p>
+            <a:br>
+              <a:rPr lang="en-US" dirty="0">
+                <a:latin typeface="+mj-ea"/>
+                <a:cs typeface="+mj-ea"/>
+              </a:rPr>
+            </a:br>
+            <a:br>
+              <a:rPr lang="en-US" dirty="0">
+                <a:latin typeface="+mj-ea"/>
+                <a:cs typeface="+mj-ea"/>
+              </a:rPr>
+            </a:br>
+            <a:br>
+              <a:rPr lang="en-US" dirty="0">
+                <a:latin typeface="+mj-ea"/>
+                <a:cs typeface="+mj-ea"/>
+              </a:rPr>
+            </a:br>
+            <a:r>
+              <a:rPr lang="en-US" b="1" dirty="0">
+                <a:latin typeface="Times New Roman"/>
+                <a:cs typeface="Times New Roman"/>
+              </a:rPr>
+              <a:t>Build your own CV</a:t>
+            </a:r>
+          </a:p>
+          <a:p>
+            <a:endParaRPr lang="en-US" b="1" dirty="0">
+              <a:latin typeface="Times New Roman"/>
+              <a:cs typeface="Times New Roman"/>
+            </a:endParaRPr>
+          </a:p>
+          <a:p>
+            <a:endParaRPr lang="en-US" b="1" dirty="0">
+              <a:latin typeface="Times New Roman"/>
+              <a:cs typeface="Times New Roman"/>
+            </a:endParaRPr>
+          </a:p>
+        </p:txBody>
+      </p:sp>
+      <p:sp>
+        <p:nvSpPr>
+          <p:cNvPr id="3" name="Content Placeholder 2">
+            <a:extLst>
+              <a:ext uri="{FF2B5EF4-FFF2-40B4-BE49-F238E27FC236}">
+                <a16:creationId xmlns:a16="http://schemas.microsoft.com/office/drawing/2014/main" id="{EFF9B5B4-56EE-4942-B925-5B6050573312}"/>
+              </a:ext>
+            </a:extLst>
+          </p:cNvPr>
+          <p:cNvSpPr>
+            <a:spLocks noGrp="1"/>
+          </p:cNvSpPr>
+          <p:nvPr>
+            <p:ph idx="1"/>
+          </p:nvPr>
+        </p:nvSpPr>
+        <p:spPr/>
+        <p:txBody>
+          <a:bodyPr vert="horz" lIns="91440" tIns="45720" rIns="91440" bIns="45720" rtlCol="0" anchor="t">
+            <a:noAutofit/>
+          </a:bodyPr>
+          <a:lstStyle/>
+          <a:p>
+            <a:r>
+              <a:rPr lang="en-US" sz="3200" dirty="0" err="1">
+                <a:latin typeface="Times New Roman"/>
+                <a:cs typeface="Times New Roman"/>
+              </a:rPr>
+              <a:t>Github</a:t>
+            </a:r>
+            <a:r>
+              <a:rPr lang="en-US" sz="3200" dirty="0">
+                <a:latin typeface="Times New Roman"/>
+                <a:cs typeface="Times New Roman"/>
+              </a:rPr>
+              <a:t>, </a:t>
+            </a:r>
+            <a:r>
+              <a:rPr lang="en-US" sz="3200" dirty="0" err="1">
+                <a:latin typeface="Times New Roman"/>
+                <a:cs typeface="Times New Roman"/>
+              </a:rPr>
+              <a:t>linkedin</a:t>
+            </a:r>
+            <a:r>
+              <a:rPr lang="en-US" sz="3200" dirty="0">
+                <a:latin typeface="Times New Roman"/>
+                <a:cs typeface="Times New Roman"/>
+              </a:rPr>
+              <a:t>, </a:t>
+            </a:r>
+            <a:r>
+              <a:rPr lang="en-US" sz="3200" dirty="0" err="1">
+                <a:latin typeface="Times New Roman"/>
+                <a:cs typeface="Times New Roman"/>
+              </a:rPr>
+              <a:t>stackoverflow</a:t>
+            </a:r>
+            <a:r>
+              <a:rPr lang="en-US" sz="3200" dirty="0">
+                <a:latin typeface="Times New Roman"/>
+                <a:cs typeface="Times New Roman"/>
+              </a:rPr>
+              <a:t>....</a:t>
+            </a:r>
+          </a:p>
+          <a:p>
+            <a:r>
+              <a:rPr lang="en-US" sz="3200" dirty="0">
+                <a:latin typeface="Times New Roman"/>
+                <a:cs typeface="Times New Roman"/>
+              </a:rPr>
+              <a:t>Online CV</a:t>
+            </a:r>
+          </a:p>
+          <a:p>
+            <a:pPr marL="971550" lvl="1" indent="-514350">
+              <a:buAutoNum type="arabicPeriod"/>
+            </a:pPr>
+            <a:r>
+              <a:rPr lang="en-US" sz="3200" dirty="0">
+                <a:latin typeface="Times New Roman"/>
+                <a:cs typeface="Times New Roman"/>
+              </a:rPr>
+              <a:t>Short bio</a:t>
+            </a:r>
+          </a:p>
+          <a:p>
+            <a:pPr marL="971550" lvl="1" indent="-514350">
+              <a:buAutoNum type="arabicPeriod"/>
+            </a:pPr>
+            <a:r>
+              <a:rPr lang="en-US" sz="3200" dirty="0">
+                <a:latin typeface="Times New Roman"/>
+                <a:cs typeface="Times New Roman"/>
+              </a:rPr>
+              <a:t>Career wish </a:t>
+            </a:r>
+          </a:p>
+          <a:p>
+            <a:pPr marL="971550" lvl="1" indent="-514350">
+              <a:buAutoNum type="arabicPeriod"/>
+            </a:pPr>
+            <a:r>
+              <a:rPr lang="en-US" sz="3200" dirty="0">
+                <a:latin typeface="Times New Roman"/>
+                <a:cs typeface="Times New Roman"/>
+              </a:rPr>
+              <a:t>Working experiences, working skill</a:t>
+            </a:r>
+          </a:p>
+          <a:p>
+            <a:pPr marL="971550" lvl="1" indent="-514350">
+              <a:buAutoNum type="arabicPeriod"/>
+            </a:pPr>
+            <a:r>
+              <a:rPr lang="en-US" sz="3200" dirty="0">
+                <a:latin typeface="Times New Roman"/>
+                <a:cs typeface="Times New Roman"/>
+              </a:rPr>
+              <a:t>Soft skills</a:t>
+            </a:r>
+          </a:p>
+          <a:p>
+            <a:pPr marL="971550" lvl="1" indent="-514350">
+              <a:buAutoNum type="arabicPeriod"/>
+            </a:pPr>
+            <a:r>
+              <a:rPr lang="en-US" sz="3200" dirty="0">
+                <a:latin typeface="Times New Roman"/>
+                <a:cs typeface="Times New Roman"/>
+              </a:rPr>
+              <a:t>Certification &amp; awards</a:t>
+            </a:r>
+          </a:p>
+          <a:p>
+            <a:pPr marL="971550" lvl="1" indent="-514350">
+              <a:buAutoNum type="arabicPeriod"/>
+            </a:pPr>
+            <a:r>
+              <a:rPr lang="en-US" sz="3200" dirty="0">
+                <a:latin typeface="Times New Roman"/>
+                <a:cs typeface="Times New Roman"/>
+              </a:rPr>
+              <a:t>References</a:t>
+            </a:r>
+          </a:p>
+          <a:p>
+            <a:r>
+              <a:rPr lang="en-US" sz="3200" dirty="0">
+                <a:latin typeface="Times New Roman"/>
+                <a:cs typeface="Times New Roman"/>
+                <a:hlinkClick r:id="rId2"/>
+              </a:rPr>
+              <a:t>Linkedin</a:t>
+            </a:r>
+            <a:endParaRPr lang="en-US" sz="3200" dirty="0">
+              <a:latin typeface="Times New Roman"/>
+              <a:cs typeface="Times New Roman"/>
+            </a:endParaRPr>
+          </a:p>
+        </p:txBody>
+      </p:sp>
+    </p:spTree>
+    <p:extLst>
+      <p:ext uri="{BB962C8B-B14F-4D97-AF65-F5344CB8AC3E}">
+        <p14:creationId xmlns:p14="http://schemas.microsoft.com/office/powerpoint/2010/main" val="4242789751"/>
+      </p:ext>
+    </p:extLst>
+  </p:cSld>
+  <p:clrMapOvr>
+    <a:masterClrMapping/>
+  </p:clrMapOvr>
 </p:sld>
 </file>
 

--- a/SE.pptx
+++ b/SE.pptx
@@ -254,7 +254,7 @@
           <a:p>
             <a:fld id="{2391DE1D-4BE7-444D-B71B-21C361EB7A3C}" type="datetimeFigureOut">
               <a:rPr lang="vi-VN" smtClean="0"/>
-              <a:t>28/01/2018</a:t>
+              <a:t>29/01/2018</a:t>
             </a:fld>
             <a:endParaRPr lang="vi-VN"/>
           </a:p>
@@ -424,7 +424,7 @@
           <a:p>
             <a:fld id="{2391DE1D-4BE7-444D-B71B-21C361EB7A3C}" type="datetimeFigureOut">
               <a:rPr lang="vi-VN" smtClean="0"/>
-              <a:t>28/01/2018</a:t>
+              <a:t>29/01/2018</a:t>
             </a:fld>
             <a:endParaRPr lang="vi-VN"/>
           </a:p>
@@ -604,7 +604,7 @@
           <a:p>
             <a:fld id="{2391DE1D-4BE7-444D-B71B-21C361EB7A3C}" type="datetimeFigureOut">
               <a:rPr lang="vi-VN" smtClean="0"/>
-              <a:t>28/01/2018</a:t>
+              <a:t>29/01/2018</a:t>
             </a:fld>
             <a:endParaRPr lang="vi-VN"/>
           </a:p>
@@ -774,7 +774,7 @@
           <a:p>
             <a:fld id="{2391DE1D-4BE7-444D-B71B-21C361EB7A3C}" type="datetimeFigureOut">
               <a:rPr lang="vi-VN" smtClean="0"/>
-              <a:t>28/01/2018</a:t>
+              <a:t>29/01/2018</a:t>
             </a:fld>
             <a:endParaRPr lang="vi-VN"/>
           </a:p>
@@ -1020,7 +1020,7 @@
           <a:p>
             <a:fld id="{2391DE1D-4BE7-444D-B71B-21C361EB7A3C}" type="datetimeFigureOut">
               <a:rPr lang="vi-VN" smtClean="0"/>
-              <a:t>28/01/2018</a:t>
+              <a:t>29/01/2018</a:t>
             </a:fld>
             <a:endParaRPr lang="vi-VN"/>
           </a:p>
@@ -1252,7 +1252,7 @@
           <a:p>
             <a:fld id="{2391DE1D-4BE7-444D-B71B-21C361EB7A3C}" type="datetimeFigureOut">
               <a:rPr lang="vi-VN" smtClean="0"/>
-              <a:t>28/01/2018</a:t>
+              <a:t>29/01/2018</a:t>
             </a:fld>
             <a:endParaRPr lang="vi-VN"/>
           </a:p>
@@ -1619,7 +1619,7 @@
           <a:p>
             <a:fld id="{2391DE1D-4BE7-444D-B71B-21C361EB7A3C}" type="datetimeFigureOut">
               <a:rPr lang="vi-VN" smtClean="0"/>
-              <a:t>28/01/2018</a:t>
+              <a:t>29/01/2018</a:t>
             </a:fld>
             <a:endParaRPr lang="vi-VN"/>
           </a:p>
@@ -1737,7 +1737,7 @@
           <a:p>
             <a:fld id="{2391DE1D-4BE7-444D-B71B-21C361EB7A3C}" type="datetimeFigureOut">
               <a:rPr lang="vi-VN" smtClean="0"/>
-              <a:t>28/01/2018</a:t>
+              <a:t>29/01/2018</a:t>
             </a:fld>
             <a:endParaRPr lang="vi-VN"/>
           </a:p>
@@ -1832,7 +1832,7 @@
           <a:p>
             <a:fld id="{2391DE1D-4BE7-444D-B71B-21C361EB7A3C}" type="datetimeFigureOut">
               <a:rPr lang="vi-VN" smtClean="0"/>
-              <a:t>28/01/2018</a:t>
+              <a:t>29/01/2018</a:t>
             </a:fld>
             <a:endParaRPr lang="vi-VN"/>
           </a:p>
@@ -2109,7 +2109,7 @@
           <a:p>
             <a:fld id="{2391DE1D-4BE7-444D-B71B-21C361EB7A3C}" type="datetimeFigureOut">
               <a:rPr lang="vi-VN" smtClean="0"/>
-              <a:t>28/01/2018</a:t>
+              <a:t>29/01/2018</a:t>
             </a:fld>
             <a:endParaRPr lang="vi-VN"/>
           </a:p>
@@ -2362,7 +2362,7 @@
           <a:p>
             <a:fld id="{2391DE1D-4BE7-444D-B71B-21C361EB7A3C}" type="datetimeFigureOut">
               <a:rPr lang="vi-VN" smtClean="0"/>
-              <a:t>28/01/2018</a:t>
+              <a:t>29/01/2018</a:t>
             </a:fld>
             <a:endParaRPr lang="vi-VN"/>
           </a:p>
@@ -2575,7 +2575,7 @@
           <a:p>
             <a:fld id="{2391DE1D-4BE7-444D-B71B-21C361EB7A3C}" type="datetimeFigureOut">
               <a:rPr lang="vi-VN" smtClean="0"/>
-              <a:t>28/01/2018</a:t>
+              <a:t>29/01/2018</a:t>
             </a:fld>
             <a:endParaRPr lang="vi-VN"/>
           </a:p>
@@ -3248,7 +3248,7 @@
                 <a:latin typeface="Times New Roman"/>
                 <a:cs typeface="Times New Roman"/>
               </a:rPr>
-              <a:t>Eye contact</a:t>
+              <a:t>Eyes contact</a:t>
             </a:r>
           </a:p>
           <a:p>
@@ -3526,7 +3526,7 @@
                 <a:latin typeface="Times New Roman"/>
                 <a:cs typeface="Times New Roman"/>
               </a:rPr>
-              <a:t>Thank you for listen</a:t>
+              <a:t>Thank you for listening</a:t>
             </a:r>
             <a:endParaRPr lang="en-US" sz="5000" dirty="0"/>
           </a:p>
@@ -3611,9 +3611,8 @@
             </a:endParaRPr>
           </a:p>
           <a:p>
-            <a:pPr marL="742950" indent="-742950">
-              <a:buFont typeface="+mj-lt"/>
-              <a:buAutoNum type="arabicParenR"/>
+            <a:pPr marL="914400" indent="-914400">
+              <a:buAutoNum type="arabicPeriod"/>
             </a:pPr>
             <a:r>
               <a:rPr lang="en-US" sz="5400" dirty="0">
@@ -3627,9 +3626,8 @@
             </a:r>
           </a:p>
           <a:p>
-            <a:pPr marL="742950" indent="-742950">
-              <a:buFont typeface="+mj-lt"/>
-              <a:buAutoNum type="arabicParenR"/>
+            <a:pPr marL="914400" indent="-914400">
+              <a:buAutoNum type="arabicPeriod"/>
             </a:pPr>
             <a:r>
               <a:rPr lang="en-US" sz="5400" dirty="0">
@@ -3639,13 +3637,26 @@
                 <a:latin typeface="Times New Roman"/>
                 <a:cs typeface="Times New Roman"/>
               </a:rPr>
-              <a:t>Build your own CV</a:t>
-            </a:r>
-          </a:p>
-          <a:p>
-            <a:pPr marL="742950" indent="-742950">
-              <a:buFont typeface="+mj-lt"/>
-              <a:buAutoNum type="arabicParenR"/>
+              <a:t>Build your own </a:t>
+            </a:r>
+            <a:r>
+              <a:rPr lang="en-US" sz="5400" dirty="0">
+                <a:latin typeface="Times New Roman"/>
+                <a:cs typeface="Times New Roman"/>
+              </a:rPr>
+              <a:t>Resume</a:t>
+            </a:r>
+            <a:endParaRPr lang="en-US" sz="5400" dirty="0">
+              <a:solidFill>
+                <a:schemeClr val="tx1"/>
+              </a:solidFill>
+              <a:latin typeface="Times New Roman"/>
+              <a:cs typeface="Times New Roman"/>
+            </a:endParaRPr>
+          </a:p>
+          <a:p>
+            <a:pPr marL="914400" indent="-914400">
+              <a:buAutoNum type="arabicPeriod"/>
             </a:pPr>
             <a:r>
               <a:rPr lang="en-US" sz="5400" dirty="0">
@@ -3887,7 +3898,7 @@
                 <a:latin typeface="Times New Roman"/>
                 <a:cs typeface="Times New Roman"/>
               </a:rPr>
-              <a:t>A software engineer is a person who applies the principles of software engineering to the design, development, maintenance, testing, and evaluation of the software that make computers or other devices containing software work.</a:t>
+              <a:t>Software engineer is a person who applies the principles of software engineering to the design, development, maintenance, testing, and evaluation of the software making computers or other devices containing software work.</a:t>
             </a:r>
           </a:p>
           <a:p>
@@ -4263,7 +4274,7 @@
                 <a:latin typeface="Times New Roman"/>
                 <a:cs typeface="Times New Roman"/>
               </a:rPr>
-              <a:t>Developer Career</a:t>
+              <a:t>Developer Career Path</a:t>
             </a:r>
             <a:endParaRPr lang="vi-VN" dirty="0">
               <a:latin typeface="Times New Roman"/>
@@ -4351,9 +4362,9 @@
                 <a:latin typeface="Times New Roman"/>
                 <a:cs typeface="Times New Roman"/>
               </a:rPr>
-              <a:t>Tester Career</a:t>
-            </a:r>
-            <a:endParaRPr lang="vi-VN">
+              <a:t>Tester Career Path</a:t>
+            </a:r>
+            <a:endParaRPr lang="vi-VN" dirty="0">
               <a:latin typeface="Times New Roman"/>
               <a:cs typeface="Times New Roman"/>
             </a:endParaRPr>
@@ -4444,7 +4455,7 @@
                 <a:latin typeface="Times New Roman"/>
                 <a:cs typeface="Times New Roman"/>
               </a:rPr>
-              <a:t>Software Engineer Skillset</a:t>
+              <a:t>Software Engineer Skill set</a:t>
             </a:r>
             <a:endParaRPr lang="vi-VN" dirty="0">
               <a:latin typeface="Times New Roman"/>
@@ -4558,7 +4569,7 @@
                 <a:latin typeface="Times New Roman"/>
                 <a:cs typeface="Times New Roman"/>
               </a:rPr>
-              <a:t>Build your own CV</a:t>
+              <a:t>Build your own Resume</a:t>
             </a:r>
           </a:p>
           <a:p>

--- a/SE.pptx
+++ b/SE.pptx
@@ -254,7 +254,7 @@
           <a:p>
             <a:fld id="{2391DE1D-4BE7-444D-B71B-21C361EB7A3C}" type="datetimeFigureOut">
               <a:rPr lang="vi-VN" smtClean="0"/>
-              <a:t>29/01/2018</a:t>
+              <a:t>28/01/2018</a:t>
             </a:fld>
             <a:endParaRPr lang="vi-VN"/>
           </a:p>
@@ -424,7 +424,7 @@
           <a:p>
             <a:fld id="{2391DE1D-4BE7-444D-B71B-21C361EB7A3C}" type="datetimeFigureOut">
               <a:rPr lang="vi-VN" smtClean="0"/>
-              <a:t>29/01/2018</a:t>
+              <a:t>28/01/2018</a:t>
             </a:fld>
             <a:endParaRPr lang="vi-VN"/>
           </a:p>
@@ -604,7 +604,7 @@
           <a:p>
             <a:fld id="{2391DE1D-4BE7-444D-B71B-21C361EB7A3C}" type="datetimeFigureOut">
               <a:rPr lang="vi-VN" smtClean="0"/>
-              <a:t>29/01/2018</a:t>
+              <a:t>28/01/2018</a:t>
             </a:fld>
             <a:endParaRPr lang="vi-VN"/>
           </a:p>
@@ -774,7 +774,7 @@
           <a:p>
             <a:fld id="{2391DE1D-4BE7-444D-B71B-21C361EB7A3C}" type="datetimeFigureOut">
               <a:rPr lang="vi-VN" smtClean="0"/>
-              <a:t>29/01/2018</a:t>
+              <a:t>28/01/2018</a:t>
             </a:fld>
             <a:endParaRPr lang="vi-VN"/>
           </a:p>
@@ -1020,7 +1020,7 @@
           <a:p>
             <a:fld id="{2391DE1D-4BE7-444D-B71B-21C361EB7A3C}" type="datetimeFigureOut">
               <a:rPr lang="vi-VN" smtClean="0"/>
-              <a:t>29/01/2018</a:t>
+              <a:t>28/01/2018</a:t>
             </a:fld>
             <a:endParaRPr lang="vi-VN"/>
           </a:p>
@@ -1252,7 +1252,7 @@
           <a:p>
             <a:fld id="{2391DE1D-4BE7-444D-B71B-21C361EB7A3C}" type="datetimeFigureOut">
               <a:rPr lang="vi-VN" smtClean="0"/>
-              <a:t>29/01/2018</a:t>
+              <a:t>28/01/2018</a:t>
             </a:fld>
             <a:endParaRPr lang="vi-VN"/>
           </a:p>
@@ -1619,7 +1619,7 @@
           <a:p>
             <a:fld id="{2391DE1D-4BE7-444D-B71B-21C361EB7A3C}" type="datetimeFigureOut">
               <a:rPr lang="vi-VN" smtClean="0"/>
-              <a:t>29/01/2018</a:t>
+              <a:t>28/01/2018</a:t>
             </a:fld>
             <a:endParaRPr lang="vi-VN"/>
           </a:p>
@@ -1737,7 +1737,7 @@
           <a:p>
             <a:fld id="{2391DE1D-4BE7-444D-B71B-21C361EB7A3C}" type="datetimeFigureOut">
               <a:rPr lang="vi-VN" smtClean="0"/>
-              <a:t>29/01/2018</a:t>
+              <a:t>28/01/2018</a:t>
             </a:fld>
             <a:endParaRPr lang="vi-VN"/>
           </a:p>
@@ -1832,7 +1832,7 @@
           <a:p>
             <a:fld id="{2391DE1D-4BE7-444D-B71B-21C361EB7A3C}" type="datetimeFigureOut">
               <a:rPr lang="vi-VN" smtClean="0"/>
-              <a:t>29/01/2018</a:t>
+              <a:t>28/01/2018</a:t>
             </a:fld>
             <a:endParaRPr lang="vi-VN"/>
           </a:p>
@@ -2109,7 +2109,7 @@
           <a:p>
             <a:fld id="{2391DE1D-4BE7-444D-B71B-21C361EB7A3C}" type="datetimeFigureOut">
               <a:rPr lang="vi-VN" smtClean="0"/>
-              <a:t>29/01/2018</a:t>
+              <a:t>28/01/2018</a:t>
             </a:fld>
             <a:endParaRPr lang="vi-VN"/>
           </a:p>
@@ -2362,7 +2362,7 @@
           <a:p>
             <a:fld id="{2391DE1D-4BE7-444D-B71B-21C361EB7A3C}" type="datetimeFigureOut">
               <a:rPr lang="vi-VN" smtClean="0"/>
-              <a:t>29/01/2018</a:t>
+              <a:t>28/01/2018</a:t>
             </a:fld>
             <a:endParaRPr lang="vi-VN"/>
           </a:p>
@@ -2575,7 +2575,7 @@
           <a:p>
             <a:fld id="{2391DE1D-4BE7-444D-B71B-21C361EB7A3C}" type="datetimeFigureOut">
               <a:rPr lang="vi-VN" smtClean="0"/>
-              <a:t>29/01/2018</a:t>
+              <a:t>28/01/2018</a:t>
             </a:fld>
             <a:endParaRPr lang="vi-VN"/>
           </a:p>
@@ -2992,7 +2992,7 @@
         </p:nvSpPr>
         <p:spPr>
           <a:xfrm>
-            <a:off x="1610557" y="2514600"/>
+            <a:off x="1628775" y="1838325"/>
             <a:ext cx="9144000" cy="2387600"/>
           </a:xfrm>
         </p:spPr>
@@ -3037,7 +3037,7 @@
                 <a:latin typeface="Times New Roman"/>
                 <a:cs typeface="Times New Roman"/>
               </a:rPr>
-              <a:t>Software Engineer &amp; </a:t>
+              <a:t>Software Engineer </a:t>
             </a:r>
             <a:br>
               <a:rPr lang="en-US" dirty="0">
@@ -3050,18 +3050,8 @@
                 <a:latin typeface="Times New Roman"/>
                 <a:cs typeface="Times New Roman"/>
               </a:rPr>
-              <a:t>what is takes to become one</a:t>
-            </a:r>
-            <a:br>
-              <a:rPr lang="en-US" dirty="0">
-                <a:latin typeface="+mj-ea"/>
-                <a:cs typeface="+mj-ea"/>
-              </a:rPr>
-            </a:br>
-            <a:endParaRPr lang="en-US" b="1">
-              <a:latin typeface="Times New Roman"/>
-              <a:cs typeface="Times New Roman"/>
-            </a:endParaRPr>
+              <a:t>Getting Start</a:t>
+            </a:r>
           </a:p>
         </p:txBody>
       </p:sp>
@@ -3352,23 +3342,14 @@
             <a:pPr marL="0" indent="0">
               <a:buNone/>
             </a:pPr>
-            <a:endParaRPr lang="en-US" sz="3200" dirty="0">
-              <a:latin typeface="Times New Roman"/>
-              <a:cs typeface="Times New Roman"/>
-            </a:endParaRPr>
-          </a:p>
-          <a:p>
-            <a:pPr marL="0" indent="0">
-              <a:buNone/>
-            </a:pPr>
-            <a:r>
-              <a:rPr lang="en-US" sz="3200" dirty="0">
+            <a:r>
+              <a:rPr lang="en-US" sz="3200" b="1" dirty="0">
                 <a:latin typeface="Times New Roman"/>
                 <a:cs typeface="Times New Roman"/>
               </a:rPr>
               <a:t>5 ways to make a good impression</a:t>
             </a:r>
-            <a:endParaRPr lang="en-US" sz="3200" dirty="0"/>
+            <a:endParaRPr lang="en-US" sz="3200" b="1" dirty="0"/>
           </a:p>
           <a:p>
             <a:pPr lvl="1"/>
@@ -3526,7 +3507,7 @@
                 <a:latin typeface="Times New Roman"/>
                 <a:cs typeface="Times New Roman"/>
               </a:rPr>
-              <a:t>Thank you for listening</a:t>
+              <a:t>Thanks you for listening</a:t>
             </a:r>
             <a:endParaRPr lang="en-US" sz="5000" dirty="0"/>
           </a:p>
@@ -3611,8 +3592,9 @@
             </a:endParaRPr>
           </a:p>
           <a:p>
-            <a:pPr marL="914400" indent="-914400">
-              <a:buAutoNum type="arabicPeriod"/>
+            <a:pPr marL="742950" indent="-742950">
+              <a:buFont typeface="+mj-lt"/>
+              <a:buAutoNum type="arabicParenR"/>
             </a:pPr>
             <a:r>
               <a:rPr lang="en-US" sz="5400" dirty="0">
@@ -3626,8 +3608,9 @@
             </a:r>
           </a:p>
           <a:p>
-            <a:pPr marL="914400" indent="-914400">
-              <a:buAutoNum type="arabicPeriod"/>
+            <a:pPr marL="742950" indent="-742950">
+              <a:buFont typeface="+mj-lt"/>
+              <a:buAutoNum type="arabicParenR"/>
             </a:pPr>
             <a:r>
               <a:rPr lang="en-US" sz="5400" dirty="0">
@@ -3637,26 +3620,13 @@
                 <a:latin typeface="Times New Roman"/>
                 <a:cs typeface="Times New Roman"/>
               </a:rPr>
-              <a:t>Build your own </a:t>
-            </a:r>
-            <a:r>
-              <a:rPr lang="en-US" sz="5400" dirty="0">
-                <a:latin typeface="Times New Roman"/>
-                <a:cs typeface="Times New Roman"/>
-              </a:rPr>
-              <a:t>Resume</a:t>
-            </a:r>
-            <a:endParaRPr lang="en-US" sz="5400" dirty="0">
-              <a:solidFill>
-                <a:schemeClr val="tx1"/>
-              </a:solidFill>
-              <a:latin typeface="Times New Roman"/>
-              <a:cs typeface="Times New Roman"/>
-            </a:endParaRPr>
-          </a:p>
-          <a:p>
-            <a:pPr marL="914400" indent="-914400">
-              <a:buAutoNum type="arabicPeriod"/>
+              <a:t>Build your own CV</a:t>
+            </a:r>
+          </a:p>
+          <a:p>
+            <a:pPr marL="742950" indent="-742950">
+              <a:buFont typeface="+mj-lt"/>
+              <a:buAutoNum type="arabicParenR"/>
             </a:pPr>
             <a:r>
               <a:rPr lang="en-US" sz="5400" dirty="0">
@@ -3898,7 +3868,7 @@
                 <a:latin typeface="Times New Roman"/>
                 <a:cs typeface="Times New Roman"/>
               </a:rPr>
-              <a:t>Software engineer is a person who applies the principles of software engineering to the design, development, maintenance, testing, and evaluation of the software making computers or other devices containing software work.</a:t>
+              <a:t>Software engineer is a person who applies the principles of software engineering to the design, development, maintenance, testing, and evaluation of the software that make computers or other devices containing software work.</a:t>
             </a:r>
           </a:p>
           <a:p>
@@ -4095,7 +4065,7 @@
         </p:nvSpPr>
         <p:spPr>
           <a:xfrm>
-            <a:off x="6686550" y="1895475"/>
+            <a:off x="6657975" y="1809750"/>
             <a:ext cx="6096000" cy="3323987"/>
           </a:xfrm>
           <a:prstGeom prst="rect">
@@ -4119,7 +4089,7 @@
                 <a:latin typeface="Times New Roman"/>
                 <a:cs typeface="Arial"/>
               </a:rPr>
-              <a:t> QA / Test ​</a:t>
+              <a:t> QA / QC</a:t>
             </a:r>
             <a:endParaRPr lang="en-US" sz="3000" dirty="0">
               <a:latin typeface="Times New Roman"/>
@@ -4274,7 +4244,7 @@
                 <a:latin typeface="Times New Roman"/>
                 <a:cs typeface="Times New Roman"/>
               </a:rPr>
-              <a:t>Developer Career Path</a:t>
+              <a:t>Developer Career</a:t>
             </a:r>
             <a:endParaRPr lang="vi-VN" dirty="0">
               <a:latin typeface="Times New Roman"/>
@@ -4362,9 +4332,9 @@
                 <a:latin typeface="Times New Roman"/>
                 <a:cs typeface="Times New Roman"/>
               </a:rPr>
-              <a:t>Tester Career Path</a:t>
-            </a:r>
-            <a:endParaRPr lang="vi-VN" dirty="0">
+              <a:t>Tester Career</a:t>
+            </a:r>
+            <a:endParaRPr lang="vi-VN">
               <a:latin typeface="Times New Roman"/>
               <a:cs typeface="Times New Roman"/>
             </a:endParaRPr>
@@ -4455,7 +4425,7 @@
                 <a:latin typeface="Times New Roman"/>
                 <a:cs typeface="Times New Roman"/>
               </a:rPr>
-              <a:t>Software Engineer Skill set</a:t>
+              <a:t>Software Engineer Skillset</a:t>
             </a:r>
             <a:endParaRPr lang="vi-VN" dirty="0">
               <a:latin typeface="Times New Roman"/>

--- a/SE.pptx
+++ b/SE.pptx
@@ -14,9 +14,10 @@
     <p:sldId id="260" r:id="rId8"/>
     <p:sldId id="261" r:id="rId9"/>
     <p:sldId id="263" r:id="rId10"/>
-    <p:sldId id="265" r:id="rId11"/>
-    <p:sldId id="266" r:id="rId12"/>
-    <p:sldId id="267" r:id="rId13"/>
+    <p:sldId id="268" r:id="rId11"/>
+    <p:sldId id="265" r:id="rId12"/>
+    <p:sldId id="266" r:id="rId13"/>
+    <p:sldId id="267" r:id="rId14"/>
   </p:sldIdLst>
   <p:sldSz cx="12192000" cy="6858000"/>
   <p:notesSz cx="6858000" cy="9144000"/>
@@ -254,7 +255,7 @@
           <a:p>
             <a:fld id="{2391DE1D-4BE7-444D-B71B-21C361EB7A3C}" type="datetimeFigureOut">
               <a:rPr lang="vi-VN" smtClean="0"/>
-              <a:t>28/01/2018</a:t>
+              <a:t>17/02/2018</a:t>
             </a:fld>
             <a:endParaRPr lang="vi-VN"/>
           </a:p>
@@ -424,7 +425,7 @@
           <a:p>
             <a:fld id="{2391DE1D-4BE7-444D-B71B-21C361EB7A3C}" type="datetimeFigureOut">
               <a:rPr lang="vi-VN" smtClean="0"/>
-              <a:t>28/01/2018</a:t>
+              <a:t>17/02/2018</a:t>
             </a:fld>
             <a:endParaRPr lang="vi-VN"/>
           </a:p>
@@ -604,7 +605,7 @@
           <a:p>
             <a:fld id="{2391DE1D-4BE7-444D-B71B-21C361EB7A3C}" type="datetimeFigureOut">
               <a:rPr lang="vi-VN" smtClean="0"/>
-              <a:t>28/01/2018</a:t>
+              <a:t>17/02/2018</a:t>
             </a:fld>
             <a:endParaRPr lang="vi-VN"/>
           </a:p>
@@ -774,7 +775,7 @@
           <a:p>
             <a:fld id="{2391DE1D-4BE7-444D-B71B-21C361EB7A3C}" type="datetimeFigureOut">
               <a:rPr lang="vi-VN" smtClean="0"/>
-              <a:t>28/01/2018</a:t>
+              <a:t>17/02/2018</a:t>
             </a:fld>
             <a:endParaRPr lang="vi-VN"/>
           </a:p>
@@ -1020,7 +1021,7 @@
           <a:p>
             <a:fld id="{2391DE1D-4BE7-444D-B71B-21C361EB7A3C}" type="datetimeFigureOut">
               <a:rPr lang="vi-VN" smtClean="0"/>
-              <a:t>28/01/2018</a:t>
+              <a:t>17/02/2018</a:t>
             </a:fld>
             <a:endParaRPr lang="vi-VN"/>
           </a:p>
@@ -1252,7 +1253,7 @@
           <a:p>
             <a:fld id="{2391DE1D-4BE7-444D-B71B-21C361EB7A3C}" type="datetimeFigureOut">
               <a:rPr lang="vi-VN" smtClean="0"/>
-              <a:t>28/01/2018</a:t>
+              <a:t>17/02/2018</a:t>
             </a:fld>
             <a:endParaRPr lang="vi-VN"/>
           </a:p>
@@ -1619,7 +1620,7 @@
           <a:p>
             <a:fld id="{2391DE1D-4BE7-444D-B71B-21C361EB7A3C}" type="datetimeFigureOut">
               <a:rPr lang="vi-VN" smtClean="0"/>
-              <a:t>28/01/2018</a:t>
+              <a:t>17/02/2018</a:t>
             </a:fld>
             <a:endParaRPr lang="vi-VN"/>
           </a:p>
@@ -1737,7 +1738,7 @@
           <a:p>
             <a:fld id="{2391DE1D-4BE7-444D-B71B-21C361EB7A3C}" type="datetimeFigureOut">
               <a:rPr lang="vi-VN" smtClean="0"/>
-              <a:t>28/01/2018</a:t>
+              <a:t>17/02/2018</a:t>
             </a:fld>
             <a:endParaRPr lang="vi-VN"/>
           </a:p>
@@ -1832,7 +1833,7 @@
           <a:p>
             <a:fld id="{2391DE1D-4BE7-444D-B71B-21C361EB7A3C}" type="datetimeFigureOut">
               <a:rPr lang="vi-VN" smtClean="0"/>
-              <a:t>28/01/2018</a:t>
+              <a:t>17/02/2018</a:t>
             </a:fld>
             <a:endParaRPr lang="vi-VN"/>
           </a:p>
@@ -2109,7 +2110,7 @@
           <a:p>
             <a:fld id="{2391DE1D-4BE7-444D-B71B-21C361EB7A3C}" type="datetimeFigureOut">
               <a:rPr lang="vi-VN" smtClean="0"/>
-              <a:t>28/01/2018</a:t>
+              <a:t>17/02/2018</a:t>
             </a:fld>
             <a:endParaRPr lang="vi-VN"/>
           </a:p>
@@ -2362,7 +2363,7 @@
           <a:p>
             <a:fld id="{2391DE1D-4BE7-444D-B71B-21C361EB7A3C}" type="datetimeFigureOut">
               <a:rPr lang="vi-VN" smtClean="0"/>
-              <a:t>28/01/2018</a:t>
+              <a:t>17/02/2018</a:t>
             </a:fld>
             <a:endParaRPr lang="vi-VN"/>
           </a:p>
@@ -2575,7 +2576,7 @@
           <a:p>
             <a:fld id="{2391DE1D-4BE7-444D-B71B-21C361EB7A3C}" type="datetimeFigureOut">
               <a:rPr lang="vi-VN" smtClean="0"/>
-              <a:t>28/01/2018</a:t>
+              <a:t>17/02/2018</a:t>
             </a:fld>
             <a:endParaRPr lang="vi-VN"/>
           </a:p>
@@ -3090,7 +3091,7 @@
           <p:cNvPr id="2" name="Title 1">
             <a:extLst>
               <a:ext uri="{FF2B5EF4-FFF2-40B4-BE49-F238E27FC236}">
-                <a16:creationId xmlns:a16="http://schemas.microsoft.com/office/drawing/2014/main" id="{5E27A532-C267-4737-BF6C-9AC7F3F44024}"/>
+                <a16:creationId xmlns:a16="http://schemas.microsoft.com/office/drawing/2014/main" id="{07A9B1F8-7444-499B-9E96-D2DBDC413660}"/>
               </a:ext>
             </a:extLst>
           </p:cNvPr>
@@ -3104,21 +3105,47 @@
         <p:spPr/>
         <p:txBody>
           <a:bodyPr>
-            <a:normAutofit/>
+            <a:normAutofit fontScale="90000"/>
           </a:bodyPr>
           <a:lstStyle/>
           <a:p>
+            <a:br>
+              <a:rPr lang="en-US" dirty="0">
+                <a:latin typeface="+mj-ea"/>
+                <a:cs typeface="+mj-ea"/>
+              </a:rPr>
+            </a:br>
+            <a:br>
+              <a:rPr lang="en-US" dirty="0">
+                <a:latin typeface="+mj-ea"/>
+                <a:cs typeface="+mj-ea"/>
+              </a:rPr>
+            </a:br>
+            <a:br>
+              <a:rPr lang="en-US" dirty="0">
+                <a:latin typeface="+mj-ea"/>
+                <a:cs typeface="+mj-ea"/>
+              </a:rPr>
+            </a:br>
             <a:r>
               <a:rPr lang="en-US" b="1" dirty="0">
                 <a:latin typeface="Times New Roman"/>
                 <a:cs typeface="Times New Roman"/>
               </a:rPr>
-              <a:t>Interview</a:t>
-            </a:r>
-            <a:r>
-              <a:rPr lang="en-US" dirty="0"/>
-              <a:t> </a:t>
-            </a:r>
+              <a:t>Build your own Resume</a:t>
+            </a:r>
+          </a:p>
+          <a:p>
+            <a:endParaRPr lang="en-US" b="1" dirty="0">
+              <a:latin typeface="Times New Roman"/>
+              <a:cs typeface="Times New Roman"/>
+            </a:endParaRPr>
+          </a:p>
+          <a:p>
+            <a:endParaRPr lang="en-US" b="1" dirty="0">
+              <a:latin typeface="Times New Roman"/>
+              <a:cs typeface="Times New Roman"/>
+            </a:endParaRPr>
           </a:p>
         </p:txBody>
       </p:sp>
@@ -3127,7 +3154,7 @@
           <p:cNvPr id="3" name="Content Placeholder 2">
             <a:extLst>
               <a:ext uri="{FF2B5EF4-FFF2-40B4-BE49-F238E27FC236}">
-                <a16:creationId xmlns:a16="http://schemas.microsoft.com/office/drawing/2014/main" id="{338B880F-1BA4-442C-AB48-F675A4B53827}"/>
+                <a16:creationId xmlns:a16="http://schemas.microsoft.com/office/drawing/2014/main" id="{EFF9B5B4-56EE-4942-B925-5B6050573312}"/>
               </a:ext>
             </a:extLst>
           </p:cNvPr>
@@ -3145,17 +3172,57 @@
           </a:bodyPr>
           <a:lstStyle/>
           <a:p>
-            <a:pPr marL="0" indent="0">
-              <a:buNone/>
-            </a:pPr>
+            <a:r>
+              <a:rPr lang="en-US" sz="3200" dirty="0" err="1">
+                <a:latin typeface="Times New Roman"/>
+                <a:cs typeface="Times New Roman"/>
+              </a:rPr>
+              <a:t>Github</a:t>
+            </a:r>
             <a:r>
               <a:rPr lang="en-US" sz="3200" dirty="0">
                 <a:latin typeface="Times New Roman"/>
                 <a:cs typeface="Times New Roman"/>
               </a:rPr>
-              <a:t>What we need to prepare for interview</a:t>
-            </a:r>
-            <a:endParaRPr lang="en-US"/>
+              <a:t>, </a:t>
+            </a:r>
+            <a:r>
+              <a:rPr lang="en-US" sz="3200" dirty="0" err="1">
+                <a:latin typeface="Times New Roman"/>
+                <a:cs typeface="Times New Roman"/>
+              </a:rPr>
+              <a:t>linkedin</a:t>
+            </a:r>
+            <a:r>
+              <a:rPr lang="en-US" sz="3200" dirty="0">
+                <a:latin typeface="Times New Roman"/>
+                <a:cs typeface="Times New Roman"/>
+              </a:rPr>
+              <a:t>, </a:t>
+            </a:r>
+            <a:r>
+              <a:rPr lang="en-US" sz="3200" dirty="0" err="1">
+                <a:latin typeface="Times New Roman"/>
+                <a:cs typeface="Times New Roman"/>
+              </a:rPr>
+              <a:t>stackoverflow</a:t>
+            </a:r>
+            <a:r>
+              <a:rPr lang="en-US" sz="3200" dirty="0">
+                <a:latin typeface="Times New Roman"/>
+                <a:cs typeface="Times New Roman"/>
+              </a:rPr>
+              <a:t>....</a:t>
+            </a:r>
+          </a:p>
+          <a:p>
+            <a:r>
+              <a:rPr lang="en-US" sz="3200" dirty="0">
+                <a:latin typeface="Times New Roman"/>
+                <a:cs typeface="Times New Roman"/>
+              </a:rPr>
+              <a:t>Online CV</a:t>
+            </a:r>
           </a:p>
           <a:p>
             <a:pPr marL="971550" lvl="1" indent="-514350">
@@ -3166,7 +3233,7 @@
                 <a:latin typeface="Times New Roman"/>
                 <a:cs typeface="Times New Roman"/>
               </a:rPr>
-              <a:t>English</a:t>
+              <a:t>Short bio</a:t>
             </a:r>
           </a:p>
           <a:p>
@@ -3178,7 +3245,7 @@
                 <a:latin typeface="Times New Roman"/>
                 <a:cs typeface="Times New Roman"/>
               </a:rPr>
-              <a:t>Research the organization.</a:t>
+              <a:t>Career wish </a:t>
             </a:r>
           </a:p>
           <a:p>
@@ -3190,7 +3257,7 @@
                 <a:latin typeface="Times New Roman"/>
                 <a:cs typeface="Times New Roman"/>
               </a:rPr>
-              <a:t>Compare your skills and qualifications to the job requirements.</a:t>
+              <a:t>Working experiences, working skill</a:t>
             </a:r>
           </a:p>
           <a:p>
@@ -3202,7 +3269,7 @@
                 <a:latin typeface="Times New Roman"/>
                 <a:cs typeface="Times New Roman"/>
               </a:rPr>
-              <a:t>Prepare responses</a:t>
+              <a:t>Soft skills</a:t>
             </a:r>
           </a:p>
           <a:p>
@@ -3214,7 +3281,7 @@
                 <a:latin typeface="Times New Roman"/>
                 <a:cs typeface="Times New Roman"/>
               </a:rPr>
-              <a:t>Plan what to wear.</a:t>
+              <a:t>Certification &amp; awards</a:t>
             </a:r>
           </a:p>
           <a:p>
@@ -3226,45 +3293,29 @@
                 <a:latin typeface="Times New Roman"/>
                 <a:cs typeface="Times New Roman"/>
               </a:rPr>
-              <a:t>Plan what to bring</a:t>
-            </a:r>
-          </a:p>
-          <a:p>
-            <a:pPr marL="971550" lvl="1" indent="-514350">
-              <a:buAutoNum type="arabicPeriod"/>
-            </a:pPr>
+              <a:t>References</a:t>
+            </a:r>
+          </a:p>
+          <a:p>
             <a:r>
               <a:rPr lang="en-US" sz="3200" dirty="0">
                 <a:latin typeface="Times New Roman"/>
                 <a:cs typeface="Times New Roman"/>
-              </a:rPr>
-              <a:t>Eyes contact</a:t>
-            </a:r>
-          </a:p>
-          <a:p>
-            <a:pPr marL="971550" lvl="1" indent="-514350">
-              <a:buAutoNum type="arabicPeriod"/>
-            </a:pPr>
+                <a:hlinkClick r:id="rId2"/>
+              </a:rPr>
+              <a:t>Linkedin</a:t>
+            </a:r>
             <a:endParaRPr lang="en-US" sz="3200" dirty="0">
               <a:latin typeface="Times New Roman"/>
               <a:cs typeface="Times New Roman"/>
             </a:endParaRPr>
           </a:p>
-          <a:p>
-            <a:pPr marL="971550" lvl="1" indent="-514350">
-              <a:buAutoNum type="arabicPeriod"/>
-            </a:pPr>
-            <a:endParaRPr lang="en-US" sz="3200" dirty="0">
-              <a:latin typeface="Times New Roman"/>
-              <a:cs typeface="Times New Roman"/>
-            </a:endParaRPr>
-          </a:p>
         </p:txBody>
       </p:sp>
     </p:spTree>
     <p:extLst>
       <p:ext uri="{BB962C8B-B14F-4D97-AF65-F5344CB8AC3E}">
-        <p14:creationId xmlns:p14="http://schemas.microsoft.com/office/powerpoint/2010/main" val="3433017521"/>
+        <p14:creationId xmlns:p14="http://schemas.microsoft.com/office/powerpoint/2010/main" val="3960025174"/>
       </p:ext>
     </p:extLst>
   </p:cSld>
@@ -3296,6 +3347,212 @@
           <p:cNvPr id="2" name="Title 1">
             <a:extLst>
               <a:ext uri="{FF2B5EF4-FFF2-40B4-BE49-F238E27FC236}">
+                <a16:creationId xmlns:a16="http://schemas.microsoft.com/office/drawing/2014/main" id="{5E27A532-C267-4737-BF6C-9AC7F3F44024}"/>
+              </a:ext>
+            </a:extLst>
+          </p:cNvPr>
+          <p:cNvSpPr>
+            <a:spLocks noGrp="1"/>
+          </p:cNvSpPr>
+          <p:nvPr>
+            <p:ph type="title"/>
+          </p:nvPr>
+        </p:nvSpPr>
+        <p:spPr/>
+        <p:txBody>
+          <a:bodyPr>
+            <a:normAutofit/>
+          </a:bodyPr>
+          <a:lstStyle/>
+          <a:p>
+            <a:r>
+              <a:rPr lang="en-US" b="1" dirty="0">
+                <a:latin typeface="Times New Roman"/>
+                <a:cs typeface="Times New Roman"/>
+              </a:rPr>
+              <a:t>Interview</a:t>
+            </a:r>
+            <a:r>
+              <a:rPr lang="en-US" dirty="0"/>
+              <a:t> </a:t>
+            </a:r>
+          </a:p>
+        </p:txBody>
+      </p:sp>
+      <p:sp>
+        <p:nvSpPr>
+          <p:cNvPr id="3" name="Content Placeholder 2">
+            <a:extLst>
+              <a:ext uri="{FF2B5EF4-FFF2-40B4-BE49-F238E27FC236}">
+                <a16:creationId xmlns:a16="http://schemas.microsoft.com/office/drawing/2014/main" id="{338B880F-1BA4-442C-AB48-F675A4B53827}"/>
+              </a:ext>
+            </a:extLst>
+          </p:cNvPr>
+          <p:cNvSpPr>
+            <a:spLocks noGrp="1"/>
+          </p:cNvSpPr>
+          <p:nvPr>
+            <p:ph idx="1"/>
+          </p:nvPr>
+        </p:nvSpPr>
+        <p:spPr/>
+        <p:txBody>
+          <a:bodyPr vert="horz" lIns="91440" tIns="45720" rIns="91440" bIns="45720" rtlCol="0" anchor="t">
+            <a:noAutofit/>
+          </a:bodyPr>
+          <a:lstStyle/>
+          <a:p>
+            <a:pPr marL="0" indent="0">
+              <a:buNone/>
+            </a:pPr>
+            <a:r>
+              <a:rPr lang="en-US" sz="3200" dirty="0">
+                <a:latin typeface="Times New Roman"/>
+                <a:cs typeface="Times New Roman"/>
+              </a:rPr>
+              <a:t>What we need to prepare for interview</a:t>
+            </a:r>
+            <a:endParaRPr lang="en-US"/>
+          </a:p>
+          <a:p>
+            <a:pPr marL="971550" lvl="1" indent="-514350">
+              <a:buAutoNum type="arabicPeriod"/>
+            </a:pPr>
+            <a:r>
+              <a:rPr lang="en-US" sz="3200" dirty="0">
+                <a:latin typeface="Times New Roman"/>
+                <a:cs typeface="Times New Roman"/>
+              </a:rPr>
+              <a:t>English</a:t>
+            </a:r>
+          </a:p>
+          <a:p>
+            <a:pPr marL="971550" lvl="1" indent="-514350">
+              <a:buAutoNum type="arabicPeriod"/>
+            </a:pPr>
+            <a:r>
+              <a:rPr lang="en-US" sz="3200" dirty="0">
+                <a:latin typeface="Times New Roman"/>
+                <a:cs typeface="Times New Roman"/>
+              </a:rPr>
+              <a:t>Research the organization.</a:t>
+            </a:r>
+          </a:p>
+          <a:p>
+            <a:pPr marL="971550" lvl="1" indent="-514350">
+              <a:buAutoNum type="arabicPeriod"/>
+            </a:pPr>
+            <a:r>
+              <a:rPr lang="en-US" sz="3200" dirty="0">
+                <a:latin typeface="Times New Roman"/>
+                <a:cs typeface="Times New Roman"/>
+              </a:rPr>
+              <a:t>Compare your skills and qualifications to the job requirements.</a:t>
+            </a:r>
+          </a:p>
+          <a:p>
+            <a:pPr marL="971550" lvl="1" indent="-514350">
+              <a:buAutoNum type="arabicPeriod"/>
+            </a:pPr>
+            <a:r>
+              <a:rPr lang="en-US" sz="3200" dirty="0">
+                <a:latin typeface="Times New Roman"/>
+                <a:cs typeface="Times New Roman"/>
+              </a:rPr>
+              <a:t>Prepare responses</a:t>
+            </a:r>
+          </a:p>
+          <a:p>
+            <a:pPr marL="971550" lvl="1" indent="-514350">
+              <a:buAutoNum type="arabicPeriod"/>
+            </a:pPr>
+            <a:r>
+              <a:rPr lang="en-US" sz="3200" dirty="0">
+                <a:latin typeface="Times New Roman"/>
+                <a:cs typeface="Times New Roman"/>
+              </a:rPr>
+              <a:t>Plan what to wear.</a:t>
+            </a:r>
+          </a:p>
+          <a:p>
+            <a:pPr marL="971550" lvl="1" indent="-514350">
+              <a:buAutoNum type="arabicPeriod"/>
+            </a:pPr>
+            <a:r>
+              <a:rPr lang="en-US" sz="3200" dirty="0">
+                <a:latin typeface="Times New Roman"/>
+                <a:cs typeface="Times New Roman"/>
+              </a:rPr>
+              <a:t>Plan what to bring</a:t>
+            </a:r>
+          </a:p>
+          <a:p>
+            <a:pPr marL="971550" lvl="1" indent="-514350">
+              <a:buAutoNum type="arabicPeriod"/>
+            </a:pPr>
+            <a:r>
+              <a:rPr lang="en-US" sz="3200" dirty="0">
+                <a:latin typeface="Times New Roman"/>
+                <a:cs typeface="Times New Roman"/>
+              </a:rPr>
+              <a:t>Eyes contact</a:t>
+            </a:r>
+          </a:p>
+          <a:p>
+            <a:pPr marL="971550" lvl="1" indent="-514350">
+              <a:buAutoNum type="arabicPeriod"/>
+            </a:pPr>
+            <a:endParaRPr lang="en-US" sz="3200" dirty="0">
+              <a:latin typeface="Times New Roman"/>
+              <a:cs typeface="Times New Roman"/>
+            </a:endParaRPr>
+          </a:p>
+          <a:p>
+            <a:pPr marL="971550" lvl="1" indent="-514350">
+              <a:buAutoNum type="arabicPeriod"/>
+            </a:pPr>
+            <a:endParaRPr lang="en-US" sz="3200" dirty="0">
+              <a:latin typeface="Times New Roman"/>
+              <a:cs typeface="Times New Roman"/>
+            </a:endParaRPr>
+          </a:p>
+        </p:txBody>
+      </p:sp>
+    </p:spTree>
+    <p:extLst>
+      <p:ext uri="{BB962C8B-B14F-4D97-AF65-F5344CB8AC3E}">
+        <p14:creationId xmlns:p14="http://schemas.microsoft.com/office/powerpoint/2010/main" val="3433017521"/>
+      </p:ext>
+    </p:extLst>
+  </p:cSld>
+  <p:clrMapOvr>
+    <a:masterClrMapping/>
+  </p:clrMapOvr>
+</p:sld>
+</file>
+
+<file path=ppt/slides/slide12.xml><?xml version="1.0" encoding="utf-8"?>
+<p:sld xmlns:a="http://schemas.openxmlformats.org/drawingml/2006/main" xmlns:r="http://schemas.openxmlformats.org/officeDocument/2006/relationships" xmlns:p="http://schemas.openxmlformats.org/presentationml/2006/main">
+  <p:cSld>
+    <p:spTree>
+      <p:nvGrpSpPr>
+        <p:cNvPr id="1" name=""/>
+        <p:cNvGrpSpPr/>
+        <p:nvPr/>
+      </p:nvGrpSpPr>
+      <p:grpSpPr>
+        <a:xfrm>
+          <a:off x="0" y="0"/>
+          <a:ext cx="0" cy="0"/>
+          <a:chOff x="0" y="0"/>
+          <a:chExt cx="0" cy="0"/>
+        </a:xfrm>
+      </p:grpSpPr>
+      <p:sp>
+        <p:nvSpPr>
+          <p:cNvPr id="2" name="Title 1">
+            <a:extLst>
+              <a:ext uri="{FF2B5EF4-FFF2-40B4-BE49-F238E27FC236}">
                 <a16:creationId xmlns:a16="http://schemas.microsoft.com/office/drawing/2014/main" id="{66276D3C-E2D9-4478-9F89-843EE87D137E}"/>
               </a:ext>
             </a:extLst>
@@ -3416,7 +3673,7 @@
 </p:sld>
 </file>
 
-<file path=ppt/slides/slide12.xml><?xml version="1.0" encoding="utf-8"?>
+<file path=ppt/slides/slide13.xml><?xml version="1.0" encoding="utf-8"?>
 <p:sld xmlns:a="http://schemas.openxmlformats.org/drawingml/2006/main" xmlns:r="http://schemas.openxmlformats.org/officeDocument/2006/relationships" xmlns:p="http://schemas.openxmlformats.org/presentationml/2006/main">
   <p:cSld>
     <p:spTree>
@@ -4509,7 +4766,12 @@
             <p:ph type="title"/>
           </p:nvPr>
         </p:nvSpPr>
-        <p:spPr/>
+        <p:spPr>
+          <a:xfrm>
+            <a:off x="657565" y="-390525"/>
+            <a:ext cx="10515600" cy="1325563"/>
+          </a:xfrm>
+        </p:spPr>
         <p:txBody>
           <a:bodyPr>
             <a:normAutofit fontScale="90000"/>
@@ -4556,169 +4818,38 @@
           </a:p>
         </p:txBody>
       </p:sp>
-      <p:sp>
-        <p:nvSpPr>
-          <p:cNvPr id="3" name="Content Placeholder 2">
+      <p:pic>
+        <p:nvPicPr>
+          <p:cNvPr id="4" name="Picture 4" descr="A picture containing screenshot&#10;&#10;Description generated with high confidence">
             <a:extLst>
               <a:ext uri="{FF2B5EF4-FFF2-40B4-BE49-F238E27FC236}">
-                <a16:creationId xmlns:a16="http://schemas.microsoft.com/office/drawing/2014/main" id="{EFF9B5B4-56EE-4942-B925-5B6050573312}"/>
+                <a16:creationId xmlns:a16="http://schemas.microsoft.com/office/drawing/2014/main" id="{84F7823B-144D-4189-8A77-65CC67C7ECB4}"/>
               </a:ext>
             </a:extLst>
           </p:cNvPr>
-          <p:cNvSpPr>
-            <a:spLocks noGrp="1"/>
-          </p:cNvSpPr>
+          <p:cNvPicPr>
+            <a:picLocks noGrp="1" noChangeAspect="1"/>
+          </p:cNvPicPr>
           <p:nvPr>
             <p:ph idx="1"/>
           </p:nvPr>
-        </p:nvSpPr>
-        <p:spPr/>
-        <p:txBody>
-          <a:bodyPr vert="horz" lIns="91440" tIns="45720" rIns="91440" bIns="45720" rtlCol="0" anchor="t">
-            <a:noAutofit/>
-          </a:bodyPr>
-          <a:lstStyle/>
-          <a:p>
-            <a:r>
-              <a:rPr lang="en-US" sz="3200" dirty="0" err="1">
-                <a:latin typeface="Times New Roman"/>
-                <a:cs typeface="Times New Roman"/>
-              </a:rPr>
-              <a:t>Github</a:t>
-            </a:r>
-            <a:r>
-              <a:rPr lang="en-US" sz="3200" dirty="0">
-                <a:latin typeface="Times New Roman"/>
-                <a:cs typeface="Times New Roman"/>
-              </a:rPr>
-              <a:t>, </a:t>
-            </a:r>
-            <a:r>
-              <a:rPr lang="en-US" sz="3200" dirty="0" err="1">
-                <a:latin typeface="Times New Roman"/>
-                <a:cs typeface="Times New Roman"/>
-              </a:rPr>
-              <a:t>linkedin</a:t>
-            </a:r>
-            <a:r>
-              <a:rPr lang="en-US" sz="3200" dirty="0">
-                <a:latin typeface="Times New Roman"/>
-                <a:cs typeface="Times New Roman"/>
-              </a:rPr>
-              <a:t>, </a:t>
-            </a:r>
-            <a:r>
-              <a:rPr lang="en-US" sz="3200" dirty="0" err="1">
-                <a:latin typeface="Times New Roman"/>
-                <a:cs typeface="Times New Roman"/>
-              </a:rPr>
-              <a:t>stackoverflow</a:t>
-            </a:r>
-            <a:r>
-              <a:rPr lang="en-US" sz="3200" dirty="0">
-                <a:latin typeface="Times New Roman"/>
-                <a:cs typeface="Times New Roman"/>
-              </a:rPr>
-              <a:t>....</a:t>
-            </a:r>
-          </a:p>
-          <a:p>
-            <a:r>
-              <a:rPr lang="en-US" sz="3200" dirty="0">
-                <a:latin typeface="Times New Roman"/>
-                <a:cs typeface="Times New Roman"/>
-              </a:rPr>
-              <a:t>Online CV</a:t>
-            </a:r>
-          </a:p>
-          <a:p>
-            <a:pPr marL="971550" lvl="1" indent="-514350">
-              <a:buAutoNum type="arabicPeriod"/>
-            </a:pPr>
-            <a:r>
-              <a:rPr lang="en-US" sz="3200" dirty="0">
-                <a:latin typeface="Times New Roman"/>
-                <a:cs typeface="Times New Roman"/>
-              </a:rPr>
-              <a:t>Short bio</a:t>
-            </a:r>
-          </a:p>
-          <a:p>
-            <a:pPr marL="971550" lvl="1" indent="-514350">
-              <a:buAutoNum type="arabicPeriod"/>
-            </a:pPr>
-            <a:r>
-              <a:rPr lang="en-US" sz="3200" dirty="0">
-                <a:latin typeface="Times New Roman"/>
-                <a:cs typeface="Times New Roman"/>
-              </a:rPr>
-              <a:t>Career wish </a:t>
-            </a:r>
-          </a:p>
-          <a:p>
-            <a:pPr marL="971550" lvl="1" indent="-514350">
-              <a:buAutoNum type="arabicPeriod"/>
-            </a:pPr>
-            <a:r>
-              <a:rPr lang="en-US" sz="3200" dirty="0">
-                <a:latin typeface="Times New Roman"/>
-                <a:cs typeface="Times New Roman"/>
-              </a:rPr>
-              <a:t>Working experiences, working skill</a:t>
-            </a:r>
-          </a:p>
-          <a:p>
-            <a:pPr marL="971550" lvl="1" indent="-514350">
-              <a:buAutoNum type="arabicPeriod"/>
-            </a:pPr>
-            <a:r>
-              <a:rPr lang="en-US" sz="3200" dirty="0">
-                <a:latin typeface="Times New Roman"/>
-                <a:cs typeface="Times New Roman"/>
-              </a:rPr>
-              <a:t>Soft skills</a:t>
-            </a:r>
-          </a:p>
-          <a:p>
-            <a:pPr marL="971550" lvl="1" indent="-514350">
-              <a:buAutoNum type="arabicPeriod"/>
-            </a:pPr>
-            <a:r>
-              <a:rPr lang="en-US" sz="3200" dirty="0">
-                <a:latin typeface="Times New Roman"/>
-                <a:cs typeface="Times New Roman"/>
-              </a:rPr>
-              <a:t>Certification &amp; awards</a:t>
-            </a:r>
-          </a:p>
-          <a:p>
-            <a:pPr marL="971550" lvl="1" indent="-514350">
-              <a:buAutoNum type="arabicPeriod"/>
-            </a:pPr>
-            <a:r>
-              <a:rPr lang="en-US" sz="3200" dirty="0">
-                <a:latin typeface="Times New Roman"/>
-                <a:cs typeface="Times New Roman"/>
-              </a:rPr>
-              <a:t>References</a:t>
-            </a:r>
-          </a:p>
-          <a:p>
-            <a:r>
-              <a:rPr lang="en-US" sz="3200" dirty="0">
-                <a:latin typeface="Times New Roman"/>
-                <a:cs typeface="Times New Roman"/>
-                <a:hlinkClick r:id="rId2"/>
-              </a:rPr>
-              <a:t>Linkedin</a:t>
-            </a:r>
-            <a:endParaRPr lang="en-US" sz="3200" dirty="0">
-              <a:latin typeface="Times New Roman"/>
-              <a:cs typeface="Times New Roman"/>
-            </a:endParaRPr>
-          </a:p>
-        </p:txBody>
-      </p:sp>
+        </p:nvPicPr>
+        <p:blipFill>
+          <a:blip r:embed="rId2"/>
+          <a:stretch>
+            <a:fillRect/>
+          </a:stretch>
+        </p:blipFill>
+        <p:spPr>
+          <a:xfrm>
+            <a:off x="779463" y="1162050"/>
+            <a:ext cx="10669587" cy="5354592"/>
+          </a:xfrm>
+          <a:prstGeom prst="rect">
+            <a:avLst/>
+          </a:prstGeom>
+        </p:spPr>
+      </p:pic>
     </p:spTree>
     <p:extLst>
       <p:ext uri="{BB962C8B-B14F-4D97-AF65-F5344CB8AC3E}">

--- a/SE.pptx
+++ b/SE.pptx
@@ -255,7 +255,7 @@
           <a:p>
             <a:fld id="{2391DE1D-4BE7-444D-B71B-21C361EB7A3C}" type="datetimeFigureOut">
               <a:rPr lang="vi-VN" smtClean="0"/>
-              <a:t>17/02/2018</a:t>
+              <a:t>10/03/2018</a:t>
             </a:fld>
             <a:endParaRPr lang="vi-VN"/>
           </a:p>
@@ -425,7 +425,7 @@
           <a:p>
             <a:fld id="{2391DE1D-4BE7-444D-B71B-21C361EB7A3C}" type="datetimeFigureOut">
               <a:rPr lang="vi-VN" smtClean="0"/>
-              <a:t>17/02/2018</a:t>
+              <a:t>10/03/2018</a:t>
             </a:fld>
             <a:endParaRPr lang="vi-VN"/>
           </a:p>
@@ -605,7 +605,7 @@
           <a:p>
             <a:fld id="{2391DE1D-4BE7-444D-B71B-21C361EB7A3C}" type="datetimeFigureOut">
               <a:rPr lang="vi-VN" smtClean="0"/>
-              <a:t>17/02/2018</a:t>
+              <a:t>10/03/2018</a:t>
             </a:fld>
             <a:endParaRPr lang="vi-VN"/>
           </a:p>
@@ -775,7 +775,7 @@
           <a:p>
             <a:fld id="{2391DE1D-4BE7-444D-B71B-21C361EB7A3C}" type="datetimeFigureOut">
               <a:rPr lang="vi-VN" smtClean="0"/>
-              <a:t>17/02/2018</a:t>
+              <a:t>10/03/2018</a:t>
             </a:fld>
             <a:endParaRPr lang="vi-VN"/>
           </a:p>
@@ -1021,7 +1021,7 @@
           <a:p>
             <a:fld id="{2391DE1D-4BE7-444D-B71B-21C361EB7A3C}" type="datetimeFigureOut">
               <a:rPr lang="vi-VN" smtClean="0"/>
-              <a:t>17/02/2018</a:t>
+              <a:t>10/03/2018</a:t>
             </a:fld>
             <a:endParaRPr lang="vi-VN"/>
           </a:p>
@@ -1253,7 +1253,7 @@
           <a:p>
             <a:fld id="{2391DE1D-4BE7-444D-B71B-21C361EB7A3C}" type="datetimeFigureOut">
               <a:rPr lang="vi-VN" smtClean="0"/>
-              <a:t>17/02/2018</a:t>
+              <a:t>10/03/2018</a:t>
             </a:fld>
             <a:endParaRPr lang="vi-VN"/>
           </a:p>
@@ -1620,7 +1620,7 @@
           <a:p>
             <a:fld id="{2391DE1D-4BE7-444D-B71B-21C361EB7A3C}" type="datetimeFigureOut">
               <a:rPr lang="vi-VN" smtClean="0"/>
-              <a:t>17/02/2018</a:t>
+              <a:t>10/03/2018</a:t>
             </a:fld>
             <a:endParaRPr lang="vi-VN"/>
           </a:p>
@@ -1738,7 +1738,7 @@
           <a:p>
             <a:fld id="{2391DE1D-4BE7-444D-B71B-21C361EB7A3C}" type="datetimeFigureOut">
               <a:rPr lang="vi-VN" smtClean="0"/>
-              <a:t>17/02/2018</a:t>
+              <a:t>10/03/2018</a:t>
             </a:fld>
             <a:endParaRPr lang="vi-VN"/>
           </a:p>
@@ -1833,7 +1833,7 @@
           <a:p>
             <a:fld id="{2391DE1D-4BE7-444D-B71B-21C361EB7A3C}" type="datetimeFigureOut">
               <a:rPr lang="vi-VN" smtClean="0"/>
-              <a:t>17/02/2018</a:t>
+              <a:t>10/03/2018</a:t>
             </a:fld>
             <a:endParaRPr lang="vi-VN"/>
           </a:p>
@@ -2110,7 +2110,7 @@
           <a:p>
             <a:fld id="{2391DE1D-4BE7-444D-B71B-21C361EB7A3C}" type="datetimeFigureOut">
               <a:rPr lang="vi-VN" smtClean="0"/>
-              <a:t>17/02/2018</a:t>
+              <a:t>10/03/2018</a:t>
             </a:fld>
             <a:endParaRPr lang="vi-VN"/>
           </a:p>
@@ -2363,7 +2363,7 @@
           <a:p>
             <a:fld id="{2391DE1D-4BE7-444D-B71B-21C361EB7A3C}" type="datetimeFigureOut">
               <a:rPr lang="vi-VN" smtClean="0"/>
-              <a:t>17/02/2018</a:t>
+              <a:t>10/03/2018</a:t>
             </a:fld>
             <a:endParaRPr lang="vi-VN"/>
           </a:p>
@@ -2576,7 +2576,7 @@
           <a:p>
             <a:fld id="{2391DE1D-4BE7-444D-B71B-21C361EB7A3C}" type="datetimeFigureOut">
               <a:rPr lang="vi-VN" smtClean="0"/>
-              <a:t>17/02/2018</a:t>
+              <a:t>10/03/2018</a:t>
             </a:fld>
             <a:endParaRPr lang="vi-VN"/>
           </a:p>
@@ -3003,30 +3003,65 @@
           </a:bodyPr>
           <a:lstStyle/>
           <a:p>
+            <a:r>
+              <a:rPr lang="en-US" dirty="0">
+                <a:latin typeface="+mj-ea"/>
+                <a:cs typeface="+mj-ea"/>
+              </a:rPr>
+              <a:t/>
+            </a:r>
             <a:br>
               <a:rPr lang="en-US" dirty="0">
                 <a:latin typeface="+mj-ea"/>
                 <a:cs typeface="+mj-ea"/>
               </a:rPr>
             </a:br>
+            <a:r>
+              <a:rPr lang="en-US" dirty="0">
+                <a:latin typeface="+mj-ea"/>
+                <a:cs typeface="+mj-ea"/>
+              </a:rPr>
+              <a:t/>
+            </a:r>
             <a:br>
               <a:rPr lang="en-US" dirty="0">
                 <a:latin typeface="+mj-ea"/>
                 <a:cs typeface="+mj-ea"/>
               </a:rPr>
             </a:br>
+            <a:r>
+              <a:rPr lang="en-US" dirty="0">
+                <a:latin typeface="+mj-ea"/>
+                <a:cs typeface="+mj-ea"/>
+              </a:rPr>
+              <a:t/>
+            </a:r>
             <a:br>
               <a:rPr lang="en-US" dirty="0">
                 <a:latin typeface="+mj-ea"/>
                 <a:cs typeface="+mj-ea"/>
               </a:rPr>
             </a:br>
+            <a:r>
+              <a:rPr lang="en-US" dirty="0">
+                <a:latin typeface="+mj-ea"/>
+                <a:cs typeface="+mj-ea"/>
+              </a:rPr>
+              <a:t/>
+            </a:r>
             <a:br>
               <a:rPr lang="en-US" dirty="0">
                 <a:latin typeface="+mj-ea"/>
                 <a:cs typeface="+mj-ea"/>
               </a:rPr>
             </a:br>
+            <a:r>
+              <a:rPr lang="en-US" dirty="0">
+                <a:latin typeface="+mj-ea"/>
+                <a:cs typeface="+mj-ea"/>
+              </a:rPr>
+              <a:t/>
+            </a:r>
             <a:br>
               <a:rPr lang="en-US" dirty="0">
                 <a:latin typeface="+mj-ea"/>
@@ -3039,6 +3074,13 @@
                 <a:cs typeface="Times New Roman"/>
               </a:rPr>
               <a:t>Software Engineer </a:t>
+            </a:r>
+            <a:r>
+              <a:rPr lang="en-US" dirty="0">
+                <a:latin typeface="+mj-ea"/>
+                <a:cs typeface="+mj-ea"/>
+              </a:rPr>
+              <a:t/>
             </a:r>
             <a:br>
               <a:rPr lang="en-US" dirty="0">
@@ -3091,7 +3133,7 @@
           <p:cNvPr id="2" name="Title 1">
             <a:extLst>
               <a:ext uri="{FF2B5EF4-FFF2-40B4-BE49-F238E27FC236}">
-                <a16:creationId xmlns:a16="http://schemas.microsoft.com/office/drawing/2014/main" id="{07A9B1F8-7444-499B-9E96-D2DBDC413660}"/>
+                <a16:creationId xmlns="" xmlns:a16="http://schemas.microsoft.com/office/drawing/2014/main" id="{07A9B1F8-7444-499B-9E96-D2DBDC413660}"/>
               </a:ext>
             </a:extLst>
           </p:cNvPr>
@@ -3109,18 +3151,39 @@
           </a:bodyPr>
           <a:lstStyle/>
           <a:p>
+            <a:r>
+              <a:rPr lang="en-US" dirty="0">
+                <a:latin typeface="+mj-ea"/>
+                <a:cs typeface="+mj-ea"/>
+              </a:rPr>
+              <a:t/>
+            </a:r>
             <a:br>
               <a:rPr lang="en-US" dirty="0">
                 <a:latin typeface="+mj-ea"/>
                 <a:cs typeface="+mj-ea"/>
               </a:rPr>
             </a:br>
+            <a:r>
+              <a:rPr lang="en-US" dirty="0">
+                <a:latin typeface="+mj-ea"/>
+                <a:cs typeface="+mj-ea"/>
+              </a:rPr>
+              <a:t/>
+            </a:r>
             <a:br>
               <a:rPr lang="en-US" dirty="0">
                 <a:latin typeface="+mj-ea"/>
                 <a:cs typeface="+mj-ea"/>
               </a:rPr>
             </a:br>
+            <a:r>
+              <a:rPr lang="en-US" dirty="0">
+                <a:latin typeface="+mj-ea"/>
+                <a:cs typeface="+mj-ea"/>
+              </a:rPr>
+              <a:t/>
+            </a:r>
             <a:br>
               <a:rPr lang="en-US" dirty="0">
                 <a:latin typeface="+mj-ea"/>
@@ -3154,7 +3217,7 @@
           <p:cNvPr id="3" name="Content Placeholder 2">
             <a:extLst>
               <a:ext uri="{FF2B5EF4-FFF2-40B4-BE49-F238E27FC236}">
-                <a16:creationId xmlns:a16="http://schemas.microsoft.com/office/drawing/2014/main" id="{EFF9B5B4-56EE-4942-B925-5B6050573312}"/>
+                <a16:creationId xmlns="" xmlns:a16="http://schemas.microsoft.com/office/drawing/2014/main" id="{EFF9B5B4-56EE-4942-B925-5B6050573312}"/>
               </a:ext>
             </a:extLst>
           </p:cNvPr>
@@ -3347,7 +3410,7 @@
           <p:cNvPr id="2" name="Title 1">
             <a:extLst>
               <a:ext uri="{FF2B5EF4-FFF2-40B4-BE49-F238E27FC236}">
-                <a16:creationId xmlns:a16="http://schemas.microsoft.com/office/drawing/2014/main" id="{5E27A532-C267-4737-BF6C-9AC7F3F44024}"/>
+                <a16:creationId xmlns="" xmlns:a16="http://schemas.microsoft.com/office/drawing/2014/main" id="{5E27A532-C267-4737-BF6C-9AC7F3F44024}"/>
               </a:ext>
             </a:extLst>
           </p:cNvPr>
@@ -3384,7 +3447,7 @@
           <p:cNvPr id="3" name="Content Placeholder 2">
             <a:extLst>
               <a:ext uri="{FF2B5EF4-FFF2-40B4-BE49-F238E27FC236}">
-                <a16:creationId xmlns:a16="http://schemas.microsoft.com/office/drawing/2014/main" id="{338B880F-1BA4-442C-AB48-F675A4B53827}"/>
+                <a16:creationId xmlns="" xmlns:a16="http://schemas.microsoft.com/office/drawing/2014/main" id="{338B880F-1BA4-442C-AB48-F675A4B53827}"/>
               </a:ext>
             </a:extLst>
           </p:cNvPr>
@@ -3553,7 +3616,7 @@
           <p:cNvPr id="2" name="Title 1">
             <a:extLst>
               <a:ext uri="{FF2B5EF4-FFF2-40B4-BE49-F238E27FC236}">
-                <a16:creationId xmlns:a16="http://schemas.microsoft.com/office/drawing/2014/main" id="{66276D3C-E2D9-4478-9F89-843EE87D137E}"/>
+                <a16:creationId xmlns="" xmlns:a16="http://schemas.microsoft.com/office/drawing/2014/main" id="{66276D3C-E2D9-4478-9F89-843EE87D137E}"/>
               </a:ext>
             </a:extLst>
           </p:cNvPr>
@@ -3578,7 +3641,7 @@
           <p:cNvPr id="3" name="Content Placeholder 2">
             <a:extLst>
               <a:ext uri="{FF2B5EF4-FFF2-40B4-BE49-F238E27FC236}">
-                <a16:creationId xmlns:a16="http://schemas.microsoft.com/office/drawing/2014/main" id="{8D8D5C5F-9E92-4B23-9875-8B59CA66A0D6}"/>
+                <a16:creationId xmlns="" xmlns:a16="http://schemas.microsoft.com/office/drawing/2014/main" id="{8D8D5C5F-9E92-4B23-9875-8B59CA66A0D6}"/>
               </a:ext>
             </a:extLst>
           </p:cNvPr>
@@ -3695,7 +3758,7 @@
           <p:cNvPr id="2" name="Title 1">
             <a:extLst>
               <a:ext uri="{FF2B5EF4-FFF2-40B4-BE49-F238E27FC236}">
-                <a16:creationId xmlns:a16="http://schemas.microsoft.com/office/drawing/2014/main" id="{F1CBCE0B-DB75-46F3-B172-7E44877ADAC2}"/>
+                <a16:creationId xmlns="" xmlns:a16="http://schemas.microsoft.com/office/drawing/2014/main" id="{F1CBCE0B-DB75-46F3-B172-7E44877ADAC2}"/>
               </a:ext>
             </a:extLst>
           </p:cNvPr>
@@ -3720,7 +3783,7 @@
           <p:cNvPr id="3" name="Content Placeholder 2">
             <a:extLst>
               <a:ext uri="{FF2B5EF4-FFF2-40B4-BE49-F238E27FC236}">
-                <a16:creationId xmlns:a16="http://schemas.microsoft.com/office/drawing/2014/main" id="{EDD49DA6-89FF-4F35-98AB-C533D3840DCF}"/>
+                <a16:creationId xmlns="" xmlns:a16="http://schemas.microsoft.com/office/drawing/2014/main" id="{EDD49DA6-89FF-4F35-98AB-C533D3840DCF}"/>
               </a:ext>
             </a:extLst>
           </p:cNvPr>
@@ -3760,13 +3823,13 @@
               <a:buNone/>
             </a:pPr>
             <a:r>
-              <a:rPr lang="en-US" sz="5000" dirty="0">
+              <a:rPr lang="en-US" sz="5000" b="1" dirty="0">
                 <a:latin typeface="Times New Roman"/>
                 <a:cs typeface="Times New Roman"/>
               </a:rPr>
               <a:t>Thanks you for listening</a:t>
             </a:r>
-            <a:endParaRPr lang="en-US" sz="5000" dirty="0"/>
+            <a:endParaRPr lang="en-US" sz="5000" b="1" dirty="0"/>
           </a:p>
         </p:txBody>
       </p:sp>
@@ -3840,7 +3903,7 @@
               <a:buFont typeface="+mj-lt"/>
               <a:buAutoNum type="arabicParenR"/>
             </a:pPr>
-            <a:endParaRPr lang="en-US" sz="4000" dirty="0">
+            <a:endParaRPr lang="en-US" sz="4000" b="1" dirty="0">
               <a:solidFill>
                 <a:schemeClr val="tx1"/>
               </a:solidFill>
@@ -3854,7 +3917,7 @@
               <a:buAutoNum type="arabicParenR"/>
             </a:pPr>
             <a:r>
-              <a:rPr lang="en-US" sz="5400" dirty="0">
+              <a:rPr lang="en-US" sz="5400" b="1" dirty="0">
                 <a:solidFill>
                   <a:schemeClr val="tx1"/>
                 </a:solidFill>
@@ -3870,7 +3933,7 @@
               <a:buAutoNum type="arabicParenR"/>
             </a:pPr>
             <a:r>
-              <a:rPr lang="en-US" sz="5400" dirty="0">
+              <a:rPr lang="en-US" sz="5400" b="1" dirty="0">
                 <a:solidFill>
                   <a:schemeClr val="tx1"/>
                 </a:solidFill>
@@ -3886,7 +3949,7 @@
               <a:buAutoNum type="arabicParenR"/>
             </a:pPr>
             <a:r>
-              <a:rPr lang="en-US" sz="5400" dirty="0">
+              <a:rPr lang="en-US" sz="5400" b="1" dirty="0">
                 <a:solidFill>
                   <a:schemeClr val="tx1"/>
                 </a:solidFill>
@@ -3896,13 +3959,13 @@
               <a:t>Interview</a:t>
             </a:r>
             <a:r>
-              <a:rPr lang="en-US" sz="5400" dirty="0">
+              <a:rPr lang="en-US" sz="5400" b="1" dirty="0">
                 <a:latin typeface="Times New Roman"/>
                 <a:cs typeface="Times New Roman"/>
               </a:rPr>
               <a:t> </a:t>
             </a:r>
-            <a:endParaRPr lang="vi-VN" sz="5400">
+            <a:endParaRPr lang="vi-VN" sz="5400" b="1">
               <a:solidFill>
                 <a:schemeClr val="tx1"/>
               </a:solidFill>
@@ -3947,7 +4010,7 @@
           <p:cNvPr id="2" name="Title 1">
             <a:extLst>
               <a:ext uri="{FF2B5EF4-FFF2-40B4-BE49-F238E27FC236}">
-                <a16:creationId xmlns:a16="http://schemas.microsoft.com/office/drawing/2014/main" id="{6BDB1866-B6A2-477C-9A76-66580B7B49BB}"/>
+                <a16:creationId xmlns="" xmlns:a16="http://schemas.microsoft.com/office/drawing/2014/main" id="{6BDB1866-B6A2-477C-9A76-66580B7B49BB}"/>
               </a:ext>
             </a:extLst>
           </p:cNvPr>
@@ -3972,7 +4035,7 @@
           <p:cNvPr id="3" name="Content Placeholder 2">
             <a:extLst>
               <a:ext uri="{FF2B5EF4-FFF2-40B4-BE49-F238E27FC236}">
-                <a16:creationId xmlns:a16="http://schemas.microsoft.com/office/drawing/2014/main" id="{3317CAE5-A40B-4F7D-B577-EC31E960CB2E}"/>
+                <a16:creationId xmlns="" xmlns:a16="http://schemas.microsoft.com/office/drawing/2014/main" id="{3317CAE5-A40B-4F7D-B577-EC31E960CB2E}"/>
               </a:ext>
             </a:extLst>
           </p:cNvPr>
@@ -3993,7 +4056,7 @@
             <a:pPr marL="0" indent="0" algn="ctr">
               <a:buNone/>
             </a:pPr>
-            <a:endParaRPr lang="en-US" sz="4800" dirty="0">
+            <a:endParaRPr lang="en-US" sz="4800" b="1" dirty="0">
               <a:latin typeface="Times New Roman"/>
               <a:cs typeface="Times New Roman"/>
             </a:endParaRPr>
@@ -4002,7 +4065,7 @@
             <a:pPr marL="0" indent="0" algn="ctr">
               <a:buNone/>
             </a:pPr>
-            <a:endParaRPr lang="en-US" sz="4800" dirty="0">
+            <a:endParaRPr lang="en-US" sz="4800" b="1" dirty="0">
               <a:latin typeface="Times New Roman"/>
               <a:cs typeface="Times New Roman"/>
             </a:endParaRPr>
@@ -4012,7 +4075,7 @@
               <a:buNone/>
             </a:pPr>
             <a:r>
-              <a:rPr lang="en-US" sz="4800" dirty="0">
+              <a:rPr lang="en-US" sz="4800" b="1" dirty="0">
                 <a:latin typeface="Times New Roman"/>
                 <a:cs typeface="Times New Roman"/>
               </a:rPr>
@@ -4094,7 +4157,7 @@
               <a:buAutoNum type="arabicPeriod"/>
             </a:pPr>
             <a:r>
-              <a:rPr lang="en-US" sz="3200" dirty="0">
+              <a:rPr lang="en-US" sz="3200" b="1" dirty="0">
                 <a:solidFill>
                   <a:schemeClr val="tx1"/>
                 </a:solidFill>
@@ -4132,6 +4195,13 @@
             <a:pPr marL="0" indent="0">
               <a:buNone/>
             </a:pPr>
+            <a:r>
+              <a:rPr lang="en-US" dirty="0">
+                <a:latin typeface="+mn-ea"/>
+                <a:cs typeface="+mn-ea"/>
+              </a:rPr>
+              <a:t/>
+            </a:r>
             <a:br>
               <a:rPr lang="en-US" dirty="0">
                 <a:latin typeface="+mn-ea"/>
@@ -4180,7 +4250,7 @@
           <p:cNvPr id="2" name="Title 1">
             <a:extLst>
               <a:ext uri="{FF2B5EF4-FFF2-40B4-BE49-F238E27FC236}">
-                <a16:creationId xmlns:a16="http://schemas.microsoft.com/office/drawing/2014/main" id="{02A879DA-3AB2-46BA-9500-985CC44FD354}"/>
+                <a16:creationId xmlns="" xmlns:a16="http://schemas.microsoft.com/office/drawing/2014/main" id="{02A879DA-3AB2-46BA-9500-985CC44FD354}"/>
               </a:ext>
             </a:extLst>
           </p:cNvPr>
@@ -4204,19 +4274,37 @@
           <a:lstStyle/>
           <a:p>
             <a:r>
-              <a:rPr lang="en-US" sz="4000" dirty="0">
+              <a:rPr lang="en-US" sz="4000" b="1" dirty="0">
                 <a:latin typeface="Times New Roman"/>
                 <a:cs typeface="Times New Roman"/>
               </a:rPr>
-              <a:t>13 Types of Software Developers</a:t>
-            </a:r>
-          </a:p>
-          <a:p>
-            <a:endParaRPr lang="en-US" sz="4000" dirty="0">
+              <a:t>13 Types of </a:t>
+            </a:r>
+            <a:r>
+              <a:rPr lang="en-US" sz="4000" b="1">
+                <a:latin typeface="Times New Roman"/>
+                <a:cs typeface="Times New Roman"/>
+              </a:rPr>
+              <a:t>Software </a:t>
+            </a:r>
+            <a:r>
+              <a:rPr lang="en-US" sz="4000" b="1" smtClean="0">
+                <a:latin typeface="Times New Roman"/>
+                <a:cs typeface="Times New Roman"/>
+              </a:rPr>
+              <a:t>Engineer</a:t>
+            </a:r>
+            <a:endParaRPr lang="en-US" sz="4000" b="1" dirty="0">
               <a:latin typeface="Times New Roman"/>
               <a:cs typeface="Times New Roman"/>
             </a:endParaRPr>
           </a:p>
+          <a:p>
+            <a:endParaRPr lang="en-US" sz="4000" b="1" dirty="0">
+              <a:latin typeface="Times New Roman"/>
+              <a:cs typeface="Times New Roman"/>
+            </a:endParaRPr>
+          </a:p>
         </p:txBody>
       </p:sp>
       <p:sp>
@@ -4224,7 +4312,7 @@
           <p:cNvPr id="3" name="Content Placeholder 2">
             <a:extLst>
               <a:ext uri="{FF2B5EF4-FFF2-40B4-BE49-F238E27FC236}">
-                <a16:creationId xmlns:a16="http://schemas.microsoft.com/office/drawing/2014/main" id="{FF6B4F48-4CB8-47D0-80EE-8FF9B7F52825}"/>
+                <a16:creationId xmlns="" xmlns:a16="http://schemas.microsoft.com/office/drawing/2014/main" id="{FF6B4F48-4CB8-47D0-80EE-8FF9B7F52825}"/>
               </a:ext>
             </a:extLst>
           </p:cNvPr>
@@ -4313,7 +4401,7 @@
           <p:cNvPr id="4" name="TextBox 3">
             <a:extLst>
               <a:ext uri="{FF2B5EF4-FFF2-40B4-BE49-F238E27FC236}">
-                <a16:creationId xmlns:a16="http://schemas.microsoft.com/office/drawing/2014/main" id="{8F828B1F-270E-407B-B696-6763901DE7FB}"/>
+                <a16:creationId xmlns="" xmlns:a16="http://schemas.microsoft.com/office/drawing/2014/main" id="{8F828B1F-270E-407B-B696-6763901DE7FB}"/>
               </a:ext>
             </a:extLst>
           </p:cNvPr>
@@ -4497,13 +4585,13 @@
           <a:lstStyle/>
           <a:p>
             <a:r>
-              <a:rPr lang="en-US" dirty="0">
+              <a:rPr lang="en-US" b="1" dirty="0">
                 <a:latin typeface="Times New Roman"/>
                 <a:cs typeface="Times New Roman"/>
               </a:rPr>
               <a:t>Developer Career</a:t>
             </a:r>
-            <a:endParaRPr lang="vi-VN" dirty="0">
+            <a:endParaRPr lang="vi-VN" b="1" dirty="0">
               <a:latin typeface="Times New Roman"/>
               <a:cs typeface="Times New Roman"/>
             </a:endParaRPr>
@@ -4585,13 +4673,13 @@
           <a:lstStyle/>
           <a:p>
             <a:r>
-              <a:rPr lang="en-US" dirty="0">
+              <a:rPr lang="en-US" b="1" dirty="0">
                 <a:latin typeface="Times New Roman"/>
                 <a:cs typeface="Times New Roman"/>
               </a:rPr>
               <a:t>Tester Career</a:t>
             </a:r>
-            <a:endParaRPr lang="vi-VN">
+            <a:endParaRPr lang="vi-VN" b="1">
               <a:latin typeface="Times New Roman"/>
               <a:cs typeface="Times New Roman"/>
             </a:endParaRPr>
@@ -4678,13 +4766,13 @@
           <a:lstStyle/>
           <a:p>
             <a:r>
-              <a:rPr lang="en-US" dirty="0">
+              <a:rPr lang="en-US" b="1" dirty="0">
                 <a:latin typeface="Times New Roman"/>
                 <a:cs typeface="Times New Roman"/>
               </a:rPr>
               <a:t>Software Engineer Skillset</a:t>
             </a:r>
-            <a:endParaRPr lang="vi-VN" dirty="0">
+            <a:endParaRPr lang="vi-VN" b="1" dirty="0">
               <a:latin typeface="Times New Roman"/>
               <a:cs typeface="Times New Roman"/>
             </a:endParaRPr>
@@ -4755,7 +4843,7 @@
           <p:cNvPr id="2" name="Title 1">
             <a:extLst>
               <a:ext uri="{FF2B5EF4-FFF2-40B4-BE49-F238E27FC236}">
-                <a16:creationId xmlns:a16="http://schemas.microsoft.com/office/drawing/2014/main" id="{07A9B1F8-7444-499B-9E96-D2DBDC413660}"/>
+                <a16:creationId xmlns="" xmlns:a16="http://schemas.microsoft.com/office/drawing/2014/main" id="{07A9B1F8-7444-499B-9E96-D2DBDC413660}"/>
               </a:ext>
             </a:extLst>
           </p:cNvPr>
@@ -4778,18 +4866,39 @@
           </a:bodyPr>
           <a:lstStyle/>
           <a:p>
+            <a:r>
+              <a:rPr lang="en-US" dirty="0">
+                <a:latin typeface="+mj-ea"/>
+                <a:cs typeface="+mj-ea"/>
+              </a:rPr>
+              <a:t/>
+            </a:r>
             <a:br>
               <a:rPr lang="en-US" dirty="0">
                 <a:latin typeface="+mj-ea"/>
                 <a:cs typeface="+mj-ea"/>
               </a:rPr>
             </a:br>
+            <a:r>
+              <a:rPr lang="en-US" dirty="0">
+                <a:latin typeface="+mj-ea"/>
+                <a:cs typeface="+mj-ea"/>
+              </a:rPr>
+              <a:t/>
+            </a:r>
             <a:br>
               <a:rPr lang="en-US" dirty="0">
                 <a:latin typeface="+mj-ea"/>
                 <a:cs typeface="+mj-ea"/>
               </a:rPr>
             </a:br>
+            <a:r>
+              <a:rPr lang="en-US" dirty="0">
+                <a:latin typeface="+mj-ea"/>
+                <a:cs typeface="+mj-ea"/>
+              </a:rPr>
+              <a:t/>
+            </a:r>
             <a:br>
               <a:rPr lang="en-US" dirty="0">
                 <a:latin typeface="+mj-ea"/>
@@ -4823,7 +4932,7 @@
           <p:cNvPr id="4" name="Picture 4" descr="A picture containing screenshot&#10;&#10;Description generated with high confidence">
             <a:extLst>
               <a:ext uri="{FF2B5EF4-FFF2-40B4-BE49-F238E27FC236}">
-                <a16:creationId xmlns:a16="http://schemas.microsoft.com/office/drawing/2014/main" id="{84F7823B-144D-4189-8A77-65CC67C7ECB4}"/>
+                <a16:creationId xmlns="" xmlns:a16="http://schemas.microsoft.com/office/drawing/2014/main" id="{84F7823B-144D-4189-8A77-65CC67C7ECB4}"/>
               </a:ext>
             </a:extLst>
           </p:cNvPr>
